--- a/pitch/presentation/esitlus.pptx
+++ b/pitch/presentation/esitlus.pptx
@@ -4,18 +4,22 @@
   <p:sldMasterIdLst>
     <p:sldMasterId id="2147483660" r:id="rId1"/>
   </p:sldMasterIdLst>
+  <p:notesMasterIdLst>
+    <p:notesMasterId r:id="rId14"/>
+  </p:notesMasterIdLst>
   <p:sldIdLst>
     <p:sldId id="256" r:id="rId2"/>
     <p:sldId id="259" r:id="rId3"/>
     <p:sldId id="260" r:id="rId4"/>
     <p:sldId id="266" r:id="rId5"/>
     <p:sldId id="265" r:id="rId6"/>
-    <p:sldId id="261" r:id="rId7"/>
-    <p:sldId id="258" r:id="rId8"/>
-    <p:sldId id="262" r:id="rId9"/>
-    <p:sldId id="263" r:id="rId10"/>
-    <p:sldId id="264" r:id="rId11"/>
-    <p:sldId id="257" r:id="rId12"/>
+    <p:sldId id="258" r:id="rId7"/>
+    <p:sldId id="261" r:id="rId8"/>
+    <p:sldId id="267" r:id="rId9"/>
+    <p:sldId id="262" r:id="rId10"/>
+    <p:sldId id="263" r:id="rId11"/>
+    <p:sldId id="268" r:id="rId12"/>
+    <p:sldId id="269" r:id="rId13"/>
   </p:sldIdLst>
   <p:sldSz cx="9144000" cy="6858000" type="screen4x3"/>
   <p:notesSz cx="6858000" cy="9144000"/>
@@ -117,6 +121,741 @@
 </p:presentation>
 </file>
 
+<file path=ppt/notesMasters/notesMaster1.xml><?xml version="1.0" encoding="utf-8"?>
+<p:notesMaster xmlns:a="http://schemas.openxmlformats.org/drawingml/2006/main" xmlns:r="http://schemas.openxmlformats.org/officeDocument/2006/relationships" xmlns:p="http://schemas.openxmlformats.org/presentationml/2006/main">
+  <p:cSld>
+    <p:bg>
+      <p:bgRef idx="1001">
+        <a:schemeClr val="bg1"/>
+      </p:bgRef>
+    </p:bg>
+    <p:spTree>
+      <p:nvGrpSpPr>
+        <p:cNvPr id="1" name=""/>
+        <p:cNvGrpSpPr/>
+        <p:nvPr/>
+      </p:nvGrpSpPr>
+      <p:grpSpPr>
+        <a:xfrm>
+          <a:off x="0" y="0"/>
+          <a:ext cx="0" cy="0"/>
+          <a:chOff x="0" y="0"/>
+          <a:chExt cx="0" cy="0"/>
+        </a:xfrm>
+      </p:grpSpPr>
+      <p:sp>
+        <p:nvSpPr>
+          <p:cNvPr id="2" name="Header Placeholder 1"/>
+          <p:cNvSpPr>
+            <a:spLocks noGrp="1"/>
+          </p:cNvSpPr>
+          <p:nvPr>
+            <p:ph type="hdr" sz="quarter"/>
+          </p:nvPr>
+        </p:nvSpPr>
+        <p:spPr>
+          <a:xfrm>
+            <a:off x="0" y="0"/>
+            <a:ext cx="2971800" cy="457200"/>
+          </a:xfrm>
+          <a:prstGeom prst="rect">
+            <a:avLst/>
+          </a:prstGeom>
+        </p:spPr>
+        <p:txBody>
+          <a:bodyPr vert="horz" lIns="91440" tIns="45720" rIns="91440" bIns="45720" rtlCol="0"/>
+          <a:lstStyle>
+            <a:lvl1pPr algn="l">
+              <a:defRPr sz="1200"/>
+            </a:lvl1pPr>
+          </a:lstStyle>
+          <a:p>
+            <a:endParaRPr lang="et-EE"/>
+          </a:p>
+        </p:txBody>
+      </p:sp>
+      <p:sp>
+        <p:nvSpPr>
+          <p:cNvPr id="3" name="Date Placeholder 2"/>
+          <p:cNvSpPr>
+            <a:spLocks noGrp="1"/>
+          </p:cNvSpPr>
+          <p:nvPr>
+            <p:ph type="dt" idx="1"/>
+          </p:nvPr>
+        </p:nvSpPr>
+        <p:spPr>
+          <a:xfrm>
+            <a:off x="3884613" y="0"/>
+            <a:ext cx="2971800" cy="457200"/>
+          </a:xfrm>
+          <a:prstGeom prst="rect">
+            <a:avLst/>
+          </a:prstGeom>
+        </p:spPr>
+        <p:txBody>
+          <a:bodyPr vert="horz" lIns="91440" tIns="45720" rIns="91440" bIns="45720" rtlCol="0"/>
+          <a:lstStyle>
+            <a:lvl1pPr algn="r">
+              <a:defRPr sz="1200"/>
+            </a:lvl1pPr>
+          </a:lstStyle>
+          <a:p>
+            <a:fld id="{C1E56A23-9976-4EB8-90D3-EA4953CE02CD}" type="datetimeFigureOut">
+              <a:rPr lang="et-EE" smtClean="0"/>
+              <a:t>29.11.2014</a:t>
+            </a:fld>
+            <a:endParaRPr lang="et-EE"/>
+          </a:p>
+        </p:txBody>
+      </p:sp>
+      <p:sp>
+        <p:nvSpPr>
+          <p:cNvPr id="4" name="Slide Image Placeholder 3"/>
+          <p:cNvSpPr>
+            <a:spLocks noGrp="1" noRot="1" noChangeAspect="1"/>
+          </p:cNvSpPr>
+          <p:nvPr>
+            <p:ph type="sldImg" idx="2"/>
+          </p:nvPr>
+        </p:nvSpPr>
+        <p:spPr>
+          <a:xfrm>
+            <a:off x="1143000" y="685800"/>
+            <a:ext cx="4572000" cy="3429000"/>
+          </a:xfrm>
+          <a:prstGeom prst="rect">
+            <a:avLst/>
+          </a:prstGeom>
+          <a:noFill/>
+          <a:ln w="12700">
+            <a:solidFill>
+              <a:prstClr val="black"/>
+            </a:solidFill>
+          </a:ln>
+        </p:spPr>
+        <p:txBody>
+          <a:bodyPr vert="horz" lIns="91440" tIns="45720" rIns="91440" bIns="45720" rtlCol="0" anchor="ctr"/>
+          <a:lstStyle/>
+          <a:p>
+            <a:endParaRPr lang="et-EE"/>
+          </a:p>
+        </p:txBody>
+      </p:sp>
+      <p:sp>
+        <p:nvSpPr>
+          <p:cNvPr id="5" name="Notes Placeholder 4"/>
+          <p:cNvSpPr>
+            <a:spLocks noGrp="1"/>
+          </p:cNvSpPr>
+          <p:nvPr>
+            <p:ph type="body" sz="quarter" idx="3"/>
+          </p:nvPr>
+        </p:nvSpPr>
+        <p:spPr>
+          <a:xfrm>
+            <a:off x="685800" y="4343400"/>
+            <a:ext cx="5486400" cy="4114800"/>
+          </a:xfrm>
+          <a:prstGeom prst="rect">
+            <a:avLst/>
+          </a:prstGeom>
+        </p:spPr>
+        <p:txBody>
+          <a:bodyPr vert="horz" lIns="91440" tIns="45720" rIns="91440" bIns="45720" rtlCol="0"/>
+          <a:lstStyle/>
+          <a:p>
+            <a:pPr lvl="0"/>
+            <a:r>
+              <a:rPr lang="en-US" smtClean="0"/>
+              <a:t>Click to edit Master text styles</a:t>
+            </a:r>
+          </a:p>
+          <a:p>
+            <a:pPr lvl="1"/>
+            <a:r>
+              <a:rPr lang="en-US" smtClean="0"/>
+              <a:t>Second level</a:t>
+            </a:r>
+          </a:p>
+          <a:p>
+            <a:pPr lvl="2"/>
+            <a:r>
+              <a:rPr lang="en-US" smtClean="0"/>
+              <a:t>Third level</a:t>
+            </a:r>
+          </a:p>
+          <a:p>
+            <a:pPr lvl="3"/>
+            <a:r>
+              <a:rPr lang="en-US" smtClean="0"/>
+              <a:t>Fourth level</a:t>
+            </a:r>
+          </a:p>
+          <a:p>
+            <a:pPr lvl="4"/>
+            <a:r>
+              <a:rPr lang="en-US" smtClean="0"/>
+              <a:t>Fifth level</a:t>
+            </a:r>
+            <a:endParaRPr lang="et-EE"/>
+          </a:p>
+        </p:txBody>
+      </p:sp>
+      <p:sp>
+        <p:nvSpPr>
+          <p:cNvPr id="6" name="Footer Placeholder 5"/>
+          <p:cNvSpPr>
+            <a:spLocks noGrp="1"/>
+          </p:cNvSpPr>
+          <p:nvPr>
+            <p:ph type="ftr" sz="quarter" idx="4"/>
+          </p:nvPr>
+        </p:nvSpPr>
+        <p:spPr>
+          <a:xfrm>
+            <a:off x="0" y="8685213"/>
+            <a:ext cx="2971800" cy="457200"/>
+          </a:xfrm>
+          <a:prstGeom prst="rect">
+            <a:avLst/>
+          </a:prstGeom>
+        </p:spPr>
+        <p:txBody>
+          <a:bodyPr vert="horz" lIns="91440" tIns="45720" rIns="91440" bIns="45720" rtlCol="0" anchor="b"/>
+          <a:lstStyle>
+            <a:lvl1pPr algn="l">
+              <a:defRPr sz="1200"/>
+            </a:lvl1pPr>
+          </a:lstStyle>
+          <a:p>
+            <a:endParaRPr lang="et-EE"/>
+          </a:p>
+        </p:txBody>
+      </p:sp>
+      <p:sp>
+        <p:nvSpPr>
+          <p:cNvPr id="7" name="Slide Number Placeholder 6"/>
+          <p:cNvSpPr>
+            <a:spLocks noGrp="1"/>
+          </p:cNvSpPr>
+          <p:nvPr>
+            <p:ph type="sldNum" sz="quarter" idx="5"/>
+          </p:nvPr>
+        </p:nvSpPr>
+        <p:spPr>
+          <a:xfrm>
+            <a:off x="3884613" y="8685213"/>
+            <a:ext cx="2971800" cy="457200"/>
+          </a:xfrm>
+          <a:prstGeom prst="rect">
+            <a:avLst/>
+          </a:prstGeom>
+        </p:spPr>
+        <p:txBody>
+          <a:bodyPr vert="horz" lIns="91440" tIns="45720" rIns="91440" bIns="45720" rtlCol="0" anchor="b"/>
+          <a:lstStyle>
+            <a:lvl1pPr algn="r">
+              <a:defRPr sz="1200"/>
+            </a:lvl1pPr>
+          </a:lstStyle>
+          <a:p>
+            <a:fld id="{231A5415-A54C-481C-8692-CEBE6BA592C9}" type="slidenum">
+              <a:rPr lang="et-EE" smtClean="0"/>
+              <a:t>‹#›</a:t>
+            </a:fld>
+            <a:endParaRPr lang="et-EE"/>
+          </a:p>
+        </p:txBody>
+      </p:sp>
+    </p:spTree>
+    <p:extLst>
+      <p:ext uri="{BB962C8B-B14F-4D97-AF65-F5344CB8AC3E}">
+        <p14:creationId xmlns:p14="http://schemas.microsoft.com/office/powerpoint/2010/main" val="2873589011"/>
+      </p:ext>
+    </p:extLst>
+  </p:cSld>
+  <p:clrMap bg1="lt1" tx1="dk1" bg2="lt2" tx2="dk2" accent1="accent1" accent2="accent2" accent3="accent3" accent4="accent4" accent5="accent5" accent6="accent6" hlink="hlink" folHlink="folHlink"/>
+  <p:notesStyle>
+    <a:lvl1pPr marL="0" algn="l" defTabSz="914400" rtl="0" eaLnBrk="1" latinLnBrk="0" hangingPunct="1">
+      <a:defRPr sz="1200" kern="1200">
+        <a:solidFill>
+          <a:schemeClr val="tx1"/>
+        </a:solidFill>
+        <a:latin typeface="+mn-lt"/>
+        <a:ea typeface="+mn-ea"/>
+        <a:cs typeface="+mn-cs"/>
+      </a:defRPr>
+    </a:lvl1pPr>
+    <a:lvl2pPr marL="457200" algn="l" defTabSz="914400" rtl="0" eaLnBrk="1" latinLnBrk="0" hangingPunct="1">
+      <a:defRPr sz="1200" kern="1200">
+        <a:solidFill>
+          <a:schemeClr val="tx1"/>
+        </a:solidFill>
+        <a:latin typeface="+mn-lt"/>
+        <a:ea typeface="+mn-ea"/>
+        <a:cs typeface="+mn-cs"/>
+      </a:defRPr>
+    </a:lvl2pPr>
+    <a:lvl3pPr marL="914400" algn="l" defTabSz="914400" rtl="0" eaLnBrk="1" latinLnBrk="0" hangingPunct="1">
+      <a:defRPr sz="1200" kern="1200">
+        <a:solidFill>
+          <a:schemeClr val="tx1"/>
+        </a:solidFill>
+        <a:latin typeface="+mn-lt"/>
+        <a:ea typeface="+mn-ea"/>
+        <a:cs typeface="+mn-cs"/>
+      </a:defRPr>
+    </a:lvl3pPr>
+    <a:lvl4pPr marL="1371600" algn="l" defTabSz="914400" rtl="0" eaLnBrk="1" latinLnBrk="0" hangingPunct="1">
+      <a:defRPr sz="1200" kern="1200">
+        <a:solidFill>
+          <a:schemeClr val="tx1"/>
+        </a:solidFill>
+        <a:latin typeface="+mn-lt"/>
+        <a:ea typeface="+mn-ea"/>
+        <a:cs typeface="+mn-cs"/>
+      </a:defRPr>
+    </a:lvl4pPr>
+    <a:lvl5pPr marL="1828800" algn="l" defTabSz="914400" rtl="0" eaLnBrk="1" latinLnBrk="0" hangingPunct="1">
+      <a:defRPr sz="1200" kern="1200">
+        <a:solidFill>
+          <a:schemeClr val="tx1"/>
+        </a:solidFill>
+        <a:latin typeface="+mn-lt"/>
+        <a:ea typeface="+mn-ea"/>
+        <a:cs typeface="+mn-cs"/>
+      </a:defRPr>
+    </a:lvl5pPr>
+    <a:lvl6pPr marL="2286000" algn="l" defTabSz="914400" rtl="0" eaLnBrk="1" latinLnBrk="0" hangingPunct="1">
+      <a:defRPr sz="1200" kern="1200">
+        <a:solidFill>
+          <a:schemeClr val="tx1"/>
+        </a:solidFill>
+        <a:latin typeface="+mn-lt"/>
+        <a:ea typeface="+mn-ea"/>
+        <a:cs typeface="+mn-cs"/>
+      </a:defRPr>
+    </a:lvl6pPr>
+    <a:lvl7pPr marL="2743200" algn="l" defTabSz="914400" rtl="0" eaLnBrk="1" latinLnBrk="0" hangingPunct="1">
+      <a:defRPr sz="1200" kern="1200">
+        <a:solidFill>
+          <a:schemeClr val="tx1"/>
+        </a:solidFill>
+        <a:latin typeface="+mn-lt"/>
+        <a:ea typeface="+mn-ea"/>
+        <a:cs typeface="+mn-cs"/>
+      </a:defRPr>
+    </a:lvl7pPr>
+    <a:lvl8pPr marL="3200400" algn="l" defTabSz="914400" rtl="0" eaLnBrk="1" latinLnBrk="0" hangingPunct="1">
+      <a:defRPr sz="1200" kern="1200">
+        <a:solidFill>
+          <a:schemeClr val="tx1"/>
+        </a:solidFill>
+        <a:latin typeface="+mn-lt"/>
+        <a:ea typeface="+mn-ea"/>
+        <a:cs typeface="+mn-cs"/>
+      </a:defRPr>
+    </a:lvl8pPr>
+    <a:lvl9pPr marL="3657600" algn="l" defTabSz="914400" rtl="0" eaLnBrk="1" latinLnBrk="0" hangingPunct="1">
+      <a:defRPr sz="1200" kern="1200">
+        <a:solidFill>
+          <a:schemeClr val="tx1"/>
+        </a:solidFill>
+        <a:latin typeface="+mn-lt"/>
+        <a:ea typeface="+mn-ea"/>
+        <a:cs typeface="+mn-cs"/>
+      </a:defRPr>
+    </a:lvl9pPr>
+  </p:notesStyle>
+</p:notesMaster>
+</file>
+
+<file path=ppt/notesSlides/notesSlide1.xml><?xml version="1.0" encoding="utf-8"?>
+<p:notes xmlns:a="http://schemas.openxmlformats.org/drawingml/2006/main" xmlns:r="http://schemas.openxmlformats.org/officeDocument/2006/relationships" xmlns:p="http://schemas.openxmlformats.org/presentationml/2006/main">
+  <p:cSld>
+    <p:spTree>
+      <p:nvGrpSpPr>
+        <p:cNvPr id="1" name=""/>
+        <p:cNvGrpSpPr/>
+        <p:nvPr/>
+      </p:nvGrpSpPr>
+      <p:grpSpPr>
+        <a:xfrm>
+          <a:off x="0" y="0"/>
+          <a:ext cx="0" cy="0"/>
+          <a:chOff x="0" y="0"/>
+          <a:chExt cx="0" cy="0"/>
+        </a:xfrm>
+      </p:grpSpPr>
+      <p:sp>
+        <p:nvSpPr>
+          <p:cNvPr id="2" name="Slide Image Placeholder 1"/>
+          <p:cNvSpPr>
+            <a:spLocks noGrp="1" noRot="1" noChangeAspect="1"/>
+          </p:cNvSpPr>
+          <p:nvPr>
+            <p:ph type="sldImg"/>
+          </p:nvPr>
+        </p:nvSpPr>
+        <p:spPr/>
+      </p:sp>
+      <p:sp>
+        <p:nvSpPr>
+          <p:cNvPr id="3" name="Notes Placeholder 2"/>
+          <p:cNvSpPr>
+            <a:spLocks noGrp="1"/>
+          </p:cNvSpPr>
+          <p:nvPr>
+            <p:ph type="body" idx="1"/>
+          </p:nvPr>
+        </p:nvSpPr>
+        <p:spPr/>
+        <p:txBody>
+          <a:bodyPr/>
+          <a:lstStyle/>
+          <a:p>
+            <a:endParaRPr lang="et-EE" dirty="0"/>
+          </a:p>
+        </p:txBody>
+      </p:sp>
+      <p:sp>
+        <p:nvSpPr>
+          <p:cNvPr id="4" name="Slide Number Placeholder 3"/>
+          <p:cNvSpPr>
+            <a:spLocks noGrp="1"/>
+          </p:cNvSpPr>
+          <p:nvPr>
+            <p:ph type="sldNum" sz="quarter" idx="10"/>
+          </p:nvPr>
+        </p:nvSpPr>
+        <p:spPr/>
+        <p:txBody>
+          <a:bodyPr/>
+          <a:lstStyle/>
+          <a:p>
+            <a:fld id="{231A5415-A54C-481C-8692-CEBE6BA592C9}" type="slidenum">
+              <a:rPr lang="et-EE" smtClean="0"/>
+              <a:t>2</a:t>
+            </a:fld>
+            <a:endParaRPr lang="et-EE"/>
+          </a:p>
+        </p:txBody>
+      </p:sp>
+    </p:spTree>
+    <p:extLst>
+      <p:ext uri="{BB962C8B-B14F-4D97-AF65-F5344CB8AC3E}">
+        <p14:creationId xmlns:p14="http://schemas.microsoft.com/office/powerpoint/2010/main" val="2537590069"/>
+      </p:ext>
+    </p:extLst>
+  </p:cSld>
+  <p:clrMapOvr>
+    <a:masterClrMapping/>
+  </p:clrMapOvr>
+</p:notes>
+</file>
+
+<file path=ppt/notesSlides/notesSlide2.xml><?xml version="1.0" encoding="utf-8"?>
+<p:notes xmlns:a="http://schemas.openxmlformats.org/drawingml/2006/main" xmlns:r="http://schemas.openxmlformats.org/officeDocument/2006/relationships" xmlns:p="http://schemas.openxmlformats.org/presentationml/2006/main">
+  <p:cSld>
+    <p:spTree>
+      <p:nvGrpSpPr>
+        <p:cNvPr id="1" name=""/>
+        <p:cNvGrpSpPr/>
+        <p:nvPr/>
+      </p:nvGrpSpPr>
+      <p:grpSpPr>
+        <a:xfrm>
+          <a:off x="0" y="0"/>
+          <a:ext cx="0" cy="0"/>
+          <a:chOff x="0" y="0"/>
+          <a:chExt cx="0" cy="0"/>
+        </a:xfrm>
+      </p:grpSpPr>
+      <p:sp>
+        <p:nvSpPr>
+          <p:cNvPr id="2" name="Slide Image Placeholder 1"/>
+          <p:cNvSpPr>
+            <a:spLocks noGrp="1" noRot="1" noChangeAspect="1"/>
+          </p:cNvSpPr>
+          <p:nvPr>
+            <p:ph type="sldImg"/>
+          </p:nvPr>
+        </p:nvSpPr>
+        <p:spPr/>
+      </p:sp>
+      <p:sp>
+        <p:nvSpPr>
+          <p:cNvPr id="3" name="Notes Placeholder 2"/>
+          <p:cNvSpPr>
+            <a:spLocks noGrp="1"/>
+          </p:cNvSpPr>
+          <p:nvPr>
+            <p:ph type="body" idx="1"/>
+          </p:nvPr>
+        </p:nvSpPr>
+        <p:spPr/>
+        <p:txBody>
+          <a:bodyPr/>
+          <a:lstStyle/>
+          <a:p>
+            <a:r>
+              <a:rPr lang="et-EE" dirty="0" smtClean="0"/>
+              <a:t>MVP back-end</a:t>
+            </a:r>
+            <a:r>
+              <a:rPr lang="et-EE" baseline="0" dirty="0" smtClean="0"/>
+              <a:t> – girl in back-end.</a:t>
+            </a:r>
+            <a:endParaRPr lang="et-EE" dirty="0"/>
+          </a:p>
+        </p:txBody>
+      </p:sp>
+      <p:sp>
+        <p:nvSpPr>
+          <p:cNvPr id="4" name="Slide Number Placeholder 3"/>
+          <p:cNvSpPr>
+            <a:spLocks noGrp="1"/>
+          </p:cNvSpPr>
+          <p:nvPr>
+            <p:ph type="sldNum" sz="quarter" idx="10"/>
+          </p:nvPr>
+        </p:nvSpPr>
+        <p:spPr/>
+        <p:txBody>
+          <a:bodyPr/>
+          <a:lstStyle/>
+          <a:p>
+            <a:fld id="{231A5415-A54C-481C-8692-CEBE6BA592C9}" type="slidenum">
+              <a:rPr lang="et-EE" smtClean="0"/>
+              <a:t>6</a:t>
+            </a:fld>
+            <a:endParaRPr lang="et-EE"/>
+          </a:p>
+        </p:txBody>
+      </p:sp>
+    </p:spTree>
+    <p:extLst>
+      <p:ext uri="{BB962C8B-B14F-4D97-AF65-F5344CB8AC3E}">
+        <p14:creationId xmlns:p14="http://schemas.microsoft.com/office/powerpoint/2010/main" val="615590786"/>
+      </p:ext>
+    </p:extLst>
+  </p:cSld>
+  <p:clrMapOvr>
+    <a:masterClrMapping/>
+  </p:clrMapOvr>
+</p:notes>
+</file>
+
+<file path=ppt/notesSlides/notesSlide3.xml><?xml version="1.0" encoding="utf-8"?>
+<p:notes xmlns:a="http://schemas.openxmlformats.org/drawingml/2006/main" xmlns:r="http://schemas.openxmlformats.org/officeDocument/2006/relationships" xmlns:p="http://schemas.openxmlformats.org/presentationml/2006/main">
+  <p:cSld>
+    <p:spTree>
+      <p:nvGrpSpPr>
+        <p:cNvPr id="1" name=""/>
+        <p:cNvGrpSpPr/>
+        <p:nvPr/>
+      </p:nvGrpSpPr>
+      <p:grpSpPr>
+        <a:xfrm>
+          <a:off x="0" y="0"/>
+          <a:ext cx="0" cy="0"/>
+          <a:chOff x="0" y="0"/>
+          <a:chExt cx="0" cy="0"/>
+        </a:xfrm>
+      </p:grpSpPr>
+      <p:sp>
+        <p:nvSpPr>
+          <p:cNvPr id="2" name="Slide Image Placeholder 1"/>
+          <p:cNvSpPr>
+            <a:spLocks noGrp="1" noRot="1" noChangeAspect="1"/>
+          </p:cNvSpPr>
+          <p:nvPr>
+            <p:ph type="sldImg"/>
+          </p:nvPr>
+        </p:nvSpPr>
+        <p:spPr/>
+      </p:sp>
+      <p:sp>
+        <p:nvSpPr>
+          <p:cNvPr id="3" name="Notes Placeholder 2"/>
+          <p:cNvSpPr>
+            <a:spLocks noGrp="1"/>
+          </p:cNvSpPr>
+          <p:nvPr>
+            <p:ph type="body" idx="1"/>
+          </p:nvPr>
+        </p:nvSpPr>
+        <p:spPr/>
+        <p:txBody>
+          <a:bodyPr/>
+          <a:lstStyle/>
+          <a:p>
+            <a:pPr marL="0" marR="0" indent="0" algn="l" defTabSz="914400" rtl="0" eaLnBrk="1" fontAlgn="auto" latinLnBrk="0" hangingPunct="1">
+              <a:lnSpc>
+                <a:spcPct val="100000"/>
+              </a:lnSpc>
+              <a:spcBef>
+                <a:spcPts val="0"/>
+              </a:spcBef>
+              <a:spcAft>
+                <a:spcPts val="0"/>
+              </a:spcAft>
+              <a:buClrTx/>
+              <a:buSzTx/>
+              <a:buFontTx/>
+              <a:buNone/>
+              <a:tabLst/>
+              <a:defRPr/>
+            </a:pPr>
+            <a:r>
+              <a:rPr lang="et-EE" dirty="0" smtClean="0"/>
+              <a:t>We are somewhat</a:t>
+            </a:r>
+            <a:r>
+              <a:rPr lang="et-EE" baseline="0" dirty="0" smtClean="0"/>
+              <a:t> </a:t>
+            </a:r>
+            <a:r>
+              <a:rPr lang="et-EE" dirty="0" smtClean="0"/>
+              <a:t>like BitCoin</a:t>
+            </a:r>
+            <a:r>
+              <a:rPr lang="et-EE" baseline="0" dirty="0" smtClean="0"/>
+              <a:t> – if you have the link, you have the money.</a:t>
+            </a:r>
+            <a:endParaRPr lang="et-EE" dirty="0" smtClean="0"/>
+          </a:p>
+        </p:txBody>
+      </p:sp>
+      <p:sp>
+        <p:nvSpPr>
+          <p:cNvPr id="4" name="Slide Number Placeholder 3"/>
+          <p:cNvSpPr>
+            <a:spLocks noGrp="1"/>
+          </p:cNvSpPr>
+          <p:nvPr>
+            <p:ph type="sldNum" sz="quarter" idx="10"/>
+          </p:nvPr>
+        </p:nvSpPr>
+        <p:spPr/>
+        <p:txBody>
+          <a:bodyPr/>
+          <a:lstStyle/>
+          <a:p>
+            <a:fld id="{231A5415-A54C-481C-8692-CEBE6BA592C9}" type="slidenum">
+              <a:rPr lang="et-EE" smtClean="0"/>
+              <a:t>9</a:t>
+            </a:fld>
+            <a:endParaRPr lang="et-EE"/>
+          </a:p>
+        </p:txBody>
+      </p:sp>
+    </p:spTree>
+    <p:extLst>
+      <p:ext uri="{BB962C8B-B14F-4D97-AF65-F5344CB8AC3E}">
+        <p14:creationId xmlns:p14="http://schemas.microsoft.com/office/powerpoint/2010/main" val="2365421584"/>
+      </p:ext>
+    </p:extLst>
+  </p:cSld>
+  <p:clrMapOvr>
+    <a:masterClrMapping/>
+  </p:clrMapOvr>
+</p:notes>
+</file>
+
+<file path=ppt/notesSlides/notesSlide4.xml><?xml version="1.0" encoding="utf-8"?>
+<p:notes xmlns:a="http://schemas.openxmlformats.org/drawingml/2006/main" xmlns:r="http://schemas.openxmlformats.org/officeDocument/2006/relationships" xmlns:p="http://schemas.openxmlformats.org/presentationml/2006/main">
+  <p:cSld>
+    <p:spTree>
+      <p:nvGrpSpPr>
+        <p:cNvPr id="1" name=""/>
+        <p:cNvGrpSpPr/>
+        <p:nvPr/>
+      </p:nvGrpSpPr>
+      <p:grpSpPr>
+        <a:xfrm>
+          <a:off x="0" y="0"/>
+          <a:ext cx="0" cy="0"/>
+          <a:chOff x="0" y="0"/>
+          <a:chExt cx="0" cy="0"/>
+        </a:xfrm>
+      </p:grpSpPr>
+      <p:sp>
+        <p:nvSpPr>
+          <p:cNvPr id="2" name="Slide Image Placeholder 1"/>
+          <p:cNvSpPr>
+            <a:spLocks noGrp="1" noRot="1" noChangeAspect="1"/>
+          </p:cNvSpPr>
+          <p:nvPr>
+            <p:ph type="sldImg"/>
+          </p:nvPr>
+        </p:nvSpPr>
+        <p:spPr/>
+      </p:sp>
+      <p:sp>
+        <p:nvSpPr>
+          <p:cNvPr id="3" name="Notes Placeholder 2"/>
+          <p:cNvSpPr>
+            <a:spLocks noGrp="1"/>
+          </p:cNvSpPr>
+          <p:nvPr>
+            <p:ph type="body" idx="1"/>
+          </p:nvPr>
+        </p:nvSpPr>
+        <p:spPr/>
+        <p:txBody>
+          <a:bodyPr/>
+          <a:lstStyle/>
+          <a:p>
+            <a:r>
+              <a:rPr lang="et-EE" dirty="0" smtClean="0"/>
+              <a:t>Both</a:t>
+            </a:r>
+            <a:r>
+              <a:rPr lang="et-EE" baseline="0" dirty="0" smtClean="0"/>
+              <a:t> need users/registration, we don’t. We are quicker, have low costs and have better privacy.</a:t>
+            </a:r>
+            <a:endParaRPr lang="et-EE" dirty="0"/>
+          </a:p>
+        </p:txBody>
+      </p:sp>
+      <p:sp>
+        <p:nvSpPr>
+          <p:cNvPr id="4" name="Slide Number Placeholder 3"/>
+          <p:cNvSpPr>
+            <a:spLocks noGrp="1"/>
+          </p:cNvSpPr>
+          <p:nvPr>
+            <p:ph type="sldNum" sz="quarter" idx="10"/>
+          </p:nvPr>
+        </p:nvSpPr>
+        <p:spPr/>
+        <p:txBody>
+          <a:bodyPr/>
+          <a:lstStyle/>
+          <a:p>
+            <a:fld id="{231A5415-A54C-481C-8692-CEBE6BA592C9}" type="slidenum">
+              <a:rPr lang="et-EE" smtClean="0"/>
+              <a:t>10</a:t>
+            </a:fld>
+            <a:endParaRPr lang="et-EE"/>
+          </a:p>
+        </p:txBody>
+      </p:sp>
+    </p:spTree>
+    <p:extLst>
+      <p:ext uri="{BB962C8B-B14F-4D97-AF65-F5344CB8AC3E}">
+        <p14:creationId xmlns:p14="http://schemas.microsoft.com/office/powerpoint/2010/main" val="1300262425"/>
+      </p:ext>
+    </p:extLst>
+  </p:cSld>
+  <p:clrMapOvr>
+    <a:masterClrMapping/>
+  </p:clrMapOvr>
+</p:notes>
+</file>
+
 <file path=ppt/slideLayouts/slideLayout1.xml><?xml version="1.0" encoding="utf-8"?>
 <p:sldLayout xmlns:a="http://schemas.openxmlformats.org/drawingml/2006/main" xmlns:r="http://schemas.openxmlformats.org/officeDocument/2006/relationships" xmlns:p="http://schemas.openxmlformats.org/presentationml/2006/main" type="title" preserve="1">
   <p:cSld name="Title Slide">
@@ -736,7 +1475,7 @@
         </p:nvSpPr>
         <p:spPr>
           <a:xfrm>
-            <a:off x="2514600" y="278378"/>
+            <a:off x="2514600" y="370076"/>
             <a:ext cx="6172200" cy="673477"/>
           </a:xfrm>
           <a:noFill/>
@@ -748,16 +1487,16 @@
           </a:bodyPr>
           <a:lstStyle>
             <a:lvl1pPr algn="r">
-              <a:defRPr sz="3600">
+              <a:defRPr sz="4800">
                 <a:solidFill>
                   <a:schemeClr val="tx1">
                     <a:lumMod val="50000"/>
                     <a:lumOff val="50000"/>
                   </a:schemeClr>
                 </a:solidFill>
-                <a:latin typeface="Open Sans" panose="020B0606030504020204" pitchFamily="34" charset="0"/>
-                <a:ea typeface="Open Sans" panose="020B0606030504020204" pitchFamily="34" charset="0"/>
-                <a:cs typeface="Open Sans" panose="020B0606030504020204" pitchFamily="34" charset="0"/>
+                <a:latin typeface="Open Sans Light" panose="020B0306030504020204" pitchFamily="34" charset="0"/>
+                <a:ea typeface="Open Sans Light" panose="020B0306030504020204" pitchFamily="34" charset="0"/>
+                <a:cs typeface="Open Sans Light" panose="020B0306030504020204" pitchFamily="34" charset="0"/>
               </a:defRPr>
             </a:lvl1pPr>
           </a:lstStyle>
@@ -951,6 +1690,13 @@
   <p:clrMapOvr>
     <a:masterClrMapping/>
   </p:clrMapOvr>
+  <p:timing>
+    <p:tnLst>
+      <p:par>
+        <p:cTn id="1" dur="indefinite" restart="never" nodeType="tmRoot"/>
+      </p:par>
+    </p:tnLst>
+  </p:timing>
 </p:sldLayout>
 </file>
 
@@ -3217,7 +3963,7 @@
           <a:bodyPr/>
           <a:lstStyle/>
           <a:p>
-            <a:endParaRPr lang="et-EE"/>
+            <a:endParaRPr lang="et-EE" dirty="0"/>
           </a:p>
         </p:txBody>
       </p:sp>
@@ -3231,6 +3977,13 @@
   <p:clrMapOvr>
     <a:masterClrMapping/>
   </p:clrMapOvr>
+  <p:timing>
+    <p:tnLst>
+      <p:par>
+        <p:cTn id="1" dur="indefinite" restart="never" nodeType="tmRoot"/>
+      </p:par>
+    </p:tnLst>
+  </p:timing>
 </p:sld>
 </file>
 
@@ -3268,7 +4021,7 @@
           <a:p>
             <a:r>
               <a:rPr lang="et-EE" dirty="0" smtClean="0"/>
-              <a:t>Business model</a:t>
+              <a:t>Competition</a:t>
             </a:r>
             <a:endParaRPr lang="et-EE" dirty="0"/>
           </a:p>
@@ -3289,20 +4042,61 @@
           <a:bodyPr/>
           <a:lstStyle/>
           <a:p>
-            <a:endParaRPr lang="et-EE"/>
+            <a:pPr marL="0" indent="0" algn="ctr">
+              <a:buNone/>
+            </a:pPr>
+            <a:endParaRPr lang="et-EE" dirty="0" smtClean="0"/>
+          </a:p>
+          <a:p>
+            <a:pPr marL="0" indent="0" algn="ctr">
+              <a:buNone/>
+            </a:pPr>
+            <a:endParaRPr lang="et-EE" dirty="0"/>
+          </a:p>
+          <a:p>
+            <a:pPr marL="0" indent="0" algn="ctr">
+              <a:buNone/>
+            </a:pPr>
+            <a:r>
+              <a:rPr lang="et-EE" dirty="0" smtClean="0"/>
+              <a:t>SnapCash</a:t>
+            </a:r>
+          </a:p>
+          <a:p>
+            <a:pPr marL="0" indent="0" algn="ctr">
+              <a:buNone/>
+            </a:pPr>
+            <a:endParaRPr lang="et-EE" dirty="0" smtClean="0"/>
+          </a:p>
+          <a:p>
+            <a:pPr marL="0" indent="0" algn="ctr">
+              <a:buNone/>
+            </a:pPr>
+            <a:r>
+              <a:rPr lang="et-EE" dirty="0" smtClean="0"/>
+              <a:t>Facebook payments</a:t>
+            </a:r>
+            <a:endParaRPr lang="et-EE" dirty="0"/>
           </a:p>
         </p:txBody>
       </p:sp>
     </p:spTree>
     <p:extLst>
       <p:ext uri="{BB962C8B-B14F-4D97-AF65-F5344CB8AC3E}">
-        <p14:creationId xmlns:p14="http://schemas.microsoft.com/office/powerpoint/2010/main" val="3204784726"/>
+        <p14:creationId xmlns:p14="http://schemas.microsoft.com/office/powerpoint/2010/main" val="37305214"/>
       </p:ext>
     </p:extLst>
   </p:cSld>
   <p:clrMapOvr>
     <a:masterClrMapping/>
   </p:clrMapOvr>
+  <p:timing>
+    <p:tnLst>
+      <p:par>
+        <p:cTn id="1" dur="indefinite" restart="never" nodeType="tmRoot"/>
+      </p:par>
+    </p:tnLst>
+  </p:timing>
 </p:sld>
 </file>
 
@@ -3333,58 +4127,233 @@
             <p:ph type="title"/>
           </p:nvPr>
         </p:nvSpPr>
-        <p:spPr/>
+        <p:spPr>
+          <a:xfrm>
+            <a:off x="2819400" y="370076"/>
+            <a:ext cx="6172200" cy="673477"/>
+          </a:xfrm>
+        </p:spPr>
         <p:txBody>
           <a:bodyPr/>
           <a:lstStyle/>
           <a:p>
             <a:r>
               <a:rPr lang="et-EE" dirty="0" smtClean="0"/>
-              <a:t>Initial rollout</a:t>
+              <a:t>Idea validation</a:t>
             </a:r>
             <a:endParaRPr lang="et-EE" dirty="0"/>
           </a:p>
         </p:txBody>
       </p:sp>
-      <p:sp>
-        <p:nvSpPr>
-          <p:cNvPr id="3" name="Content Placeholder 2"/>
-          <p:cNvSpPr>
-            <a:spLocks noGrp="1"/>
-          </p:cNvSpPr>
-          <p:nvPr>
-            <p:ph idx="1"/>
-          </p:nvPr>
-        </p:nvSpPr>
-        <p:spPr/>
-        <p:txBody>
-          <a:bodyPr/>
-          <a:lstStyle/>
-          <a:p>
-            <a:r>
-              <a:rPr lang="et-EE" dirty="0" smtClean="0"/>
-              <a:t>Fb page – n likes - screenshot</a:t>
-            </a:r>
-          </a:p>
-          <a:p>
-            <a:r>
-              <a:rPr lang="et-EE" dirty="0" smtClean="0"/>
-              <a:t>Landing page – n emails - screenshot</a:t>
-            </a:r>
-            <a:endParaRPr lang="et-EE" dirty="0"/>
-          </a:p>
-        </p:txBody>
-      </p:sp>
+      <p:pic>
+        <p:nvPicPr>
+          <p:cNvPr id="1028" name="Picture 4"/>
+          <p:cNvPicPr>
+            <a:picLocks noChangeAspect="1" noChangeArrowheads="1"/>
+          </p:cNvPicPr>
+          <p:nvPr/>
+        </p:nvPicPr>
+        <p:blipFill>
+          <a:blip r:embed="rId2">
+            <a:extLst>
+              <a:ext uri="{28A0092B-C50C-407E-A947-70E740481C1C}">
+                <a14:useLocalDpi xmlns:a14="http://schemas.microsoft.com/office/drawing/2010/main" val="0"/>
+              </a:ext>
+            </a:extLst>
+          </a:blip>
+          <a:srcRect/>
+          <a:stretch>
+            <a:fillRect/>
+          </a:stretch>
+        </p:blipFill>
+        <p:spPr bwMode="auto">
+          <a:xfrm>
+            <a:off x="4800600" y="2844799"/>
+            <a:ext cx="4114800" cy="3403601"/>
+          </a:xfrm>
+          <a:prstGeom prst="rect">
+            <a:avLst/>
+          </a:prstGeom>
+          <a:noFill/>
+          <a:ln>
+            <a:noFill/>
+          </a:ln>
+          <a:extLst>
+            <a:ext uri="{909E8E84-426E-40DD-AFC4-6F175D3DCCD1}">
+              <a14:hiddenFill xmlns:a14="http://schemas.microsoft.com/office/drawing/2010/main">
+                <a:solidFill>
+                  <a:schemeClr val="accent1"/>
+                </a:solidFill>
+              </a14:hiddenFill>
+            </a:ext>
+            <a:ext uri="{91240B29-F687-4F45-9708-019B960494DF}">
+              <a14:hiddenLine xmlns:a14="http://schemas.microsoft.com/office/drawing/2010/main" w="9525">
+                <a:solidFill>
+                  <a:schemeClr val="tx1"/>
+                </a:solidFill>
+                <a:miter lim="800000"/>
+                <a:headEnd/>
+                <a:tailEnd/>
+              </a14:hiddenLine>
+            </a:ext>
+          </a:extLst>
+        </p:spPr>
+      </p:pic>
+      <p:pic>
+        <p:nvPicPr>
+          <p:cNvPr id="1031" name="Picture 7"/>
+          <p:cNvPicPr>
+            <a:picLocks noChangeAspect="1" noChangeArrowheads="1"/>
+          </p:cNvPicPr>
+          <p:nvPr/>
+        </p:nvPicPr>
+        <p:blipFill>
+          <a:blip r:embed="rId3">
+            <a:extLst>
+              <a:ext uri="{28A0092B-C50C-407E-A947-70E740481C1C}">
+                <a14:useLocalDpi xmlns:a14="http://schemas.microsoft.com/office/drawing/2010/main" val="0"/>
+              </a:ext>
+            </a:extLst>
+          </a:blip>
+          <a:srcRect/>
+          <a:stretch>
+            <a:fillRect/>
+          </a:stretch>
+        </p:blipFill>
+        <p:spPr bwMode="auto">
+          <a:xfrm>
+            <a:off x="304801" y="304800"/>
+            <a:ext cx="4116638" cy="4241799"/>
+          </a:xfrm>
+          <a:prstGeom prst="rect">
+            <a:avLst/>
+          </a:prstGeom>
+          <a:noFill/>
+          <a:ln>
+            <a:noFill/>
+          </a:ln>
+          <a:extLst>
+            <a:ext uri="{909E8E84-426E-40DD-AFC4-6F175D3DCCD1}">
+              <a14:hiddenFill xmlns:a14="http://schemas.microsoft.com/office/drawing/2010/main">
+                <a:solidFill>
+                  <a:schemeClr val="accent1"/>
+                </a:solidFill>
+              </a14:hiddenFill>
+            </a:ext>
+            <a:ext uri="{91240B29-F687-4F45-9708-019B960494DF}">
+              <a14:hiddenLine xmlns:a14="http://schemas.microsoft.com/office/drawing/2010/main" w="9525">
+                <a:solidFill>
+                  <a:schemeClr val="tx1"/>
+                </a:solidFill>
+                <a:miter lim="800000"/>
+                <a:headEnd/>
+                <a:tailEnd/>
+              </a14:hiddenLine>
+            </a:ext>
+          </a:extLst>
+        </p:spPr>
+      </p:pic>
     </p:spTree>
     <p:extLst>
       <p:ext uri="{BB962C8B-B14F-4D97-AF65-F5344CB8AC3E}">
-        <p14:creationId xmlns:p14="http://schemas.microsoft.com/office/powerpoint/2010/main" val="2322113264"/>
+        <p14:creationId xmlns:p14="http://schemas.microsoft.com/office/powerpoint/2010/main" val="2870766902"/>
       </p:ext>
     </p:extLst>
   </p:cSld>
   <p:clrMapOvr>
     <a:masterClrMapping/>
   </p:clrMapOvr>
+  <p:timing>
+    <p:tnLst>
+      <p:par>
+        <p:cTn id="1" dur="indefinite" restart="never" nodeType="tmRoot"/>
+      </p:par>
+    </p:tnLst>
+  </p:timing>
+</p:sld>
+</file>
+
+<file path=ppt/slides/slide12.xml><?xml version="1.0" encoding="utf-8"?>
+<p:sld xmlns:a="http://schemas.openxmlformats.org/drawingml/2006/main" xmlns:r="http://schemas.openxmlformats.org/officeDocument/2006/relationships" xmlns:p="http://schemas.openxmlformats.org/presentationml/2006/main">
+  <p:cSld>
+    <p:spTree>
+      <p:nvGrpSpPr>
+        <p:cNvPr id="1" name=""/>
+        <p:cNvGrpSpPr/>
+        <p:nvPr/>
+      </p:nvGrpSpPr>
+      <p:grpSpPr>
+        <a:xfrm>
+          <a:off x="0" y="0"/>
+          <a:ext cx="0" cy="0"/>
+          <a:chOff x="0" y="0"/>
+          <a:chExt cx="0" cy="0"/>
+        </a:xfrm>
+      </p:grpSpPr>
+      <p:sp>
+        <p:nvSpPr>
+          <p:cNvPr id="3" name="Content Placeholder 2"/>
+          <p:cNvSpPr>
+            <a:spLocks noGrp="1"/>
+          </p:cNvSpPr>
+          <p:nvPr>
+            <p:ph idx="1"/>
+          </p:nvPr>
+        </p:nvSpPr>
+        <p:spPr/>
+        <p:txBody>
+          <a:bodyPr/>
+          <a:lstStyle/>
+          <a:p>
+            <a:pPr marL="0" indent="0" algn="ctr">
+              <a:buNone/>
+            </a:pPr>
+            <a:endParaRPr lang="et-EE" dirty="0" smtClean="0"/>
+          </a:p>
+          <a:p>
+            <a:pPr marL="0" indent="0" algn="ctr">
+              <a:buNone/>
+            </a:pPr>
+            <a:r>
+              <a:rPr lang="et-EE" dirty="0" smtClean="0"/>
+              <a:t>HIRING</a:t>
+            </a:r>
+          </a:p>
+          <a:p>
+            <a:pPr marL="0" indent="0" algn="ctr">
+              <a:buNone/>
+            </a:pPr>
+            <a:endParaRPr lang="et-EE" dirty="0" smtClean="0"/>
+          </a:p>
+          <a:p>
+            <a:pPr marL="0" indent="0" algn="ctr">
+              <a:buNone/>
+            </a:pPr>
+            <a:r>
+              <a:rPr lang="et-EE" dirty="0" smtClean="0"/>
+              <a:t>Lead backend operator (Lasnamäe)</a:t>
+            </a:r>
+            <a:endParaRPr lang="et-EE" dirty="0"/>
+          </a:p>
+        </p:txBody>
+      </p:sp>
+    </p:spTree>
+    <p:extLst>
+      <p:ext uri="{BB962C8B-B14F-4D97-AF65-F5344CB8AC3E}">
+        <p14:creationId xmlns:p14="http://schemas.microsoft.com/office/powerpoint/2010/main" val="2755497436"/>
+      </p:ext>
+    </p:extLst>
+  </p:cSld>
+  <p:clrMapOvr>
+    <a:masterClrMapping/>
+  </p:clrMapOvr>
+  <p:timing>
+    <p:tnLst>
+      <p:par>
+        <p:cTn id="1" dur="indefinite" restart="never" nodeType="tmRoot"/>
+      </p:par>
+    </p:tnLst>
+  </p:timing>
 </p:sld>
 </file>
 
@@ -3422,7 +4391,7 @@
           <a:p>
             <a:r>
               <a:rPr lang="et-EE" dirty="0" smtClean="0"/>
-              <a:t>10 word description</a:t>
+              <a:t>Description</a:t>
             </a:r>
             <a:endParaRPr lang="et-EE" dirty="0"/>
           </a:p>
@@ -3443,7 +4412,31 @@
           <a:bodyPr/>
           <a:lstStyle/>
           <a:p>
-            <a:endParaRPr lang="et-EE"/>
+            <a:pPr marL="0" indent="0" algn="ctr">
+              <a:buNone/>
+            </a:pPr>
+            <a:endParaRPr lang="et-EE" dirty="0" smtClean="0"/>
+          </a:p>
+          <a:p>
+            <a:pPr marL="0" indent="0" algn="ctr">
+              <a:buNone/>
+            </a:pPr>
+            <a:endParaRPr lang="et-EE" dirty="0"/>
+          </a:p>
+          <a:p>
+            <a:pPr marL="0" indent="0" algn="ctr">
+              <a:buNone/>
+            </a:pPr>
+            <a:endParaRPr lang="et-EE" dirty="0" smtClean="0"/>
+          </a:p>
+          <a:p>
+            <a:pPr marL="0" indent="0" algn="ctr">
+              <a:buNone/>
+            </a:pPr>
+            <a:r>
+              <a:rPr lang="et-EE" dirty="0" smtClean="0"/>
+              <a:t>Send online cash, quick and easy!</a:t>
+            </a:r>
           </a:p>
         </p:txBody>
       </p:sp>
@@ -3457,6 +4450,13 @@
   <p:clrMapOvr>
     <a:masterClrMapping/>
   </p:clrMapOvr>
+  <p:timing>
+    <p:tnLst>
+      <p:par>
+        <p:cTn id="1" dur="indefinite" restart="never" nodeType="tmRoot"/>
+      </p:par>
+    </p:tnLst>
+  </p:timing>
 </p:sld>
 </file>
 
@@ -3490,7 +4490,7 @@
         <p:spPr/>
         <p:txBody>
           <a:bodyPr>
-            <a:normAutofit/>
+            <a:normAutofit fontScale="90000"/>
           </a:bodyPr>
           <a:lstStyle/>
           <a:p>
@@ -3592,8 +4592,8 @@
         </p:nvSpPr>
         <p:spPr>
           <a:xfrm>
-            <a:off x="705649" y="5282625"/>
-            <a:ext cx="950901" cy="584775"/>
+            <a:off x="598664" y="5282624"/>
+            <a:ext cx="1164871" cy="584775"/>
           </a:xfrm>
           <a:prstGeom prst="rect">
             <a:avLst/>
@@ -3612,7 +4612,7 @@
                 <a:ea typeface="Open Sans" panose="020B0606030504020204" pitchFamily="34" charset="0"/>
                 <a:cs typeface="Open Sans" panose="020B0606030504020204" pitchFamily="34" charset="0"/>
               </a:rPr>
-              <a:t>Bob</a:t>
+              <a:t>Taivo</a:t>
             </a:r>
             <a:endParaRPr lang="et-EE" sz="3200" dirty="0">
               <a:latin typeface="Open Sans" panose="020B0606030504020204" pitchFamily="34" charset="0"/>
@@ -3630,8 +4630,8 @@
         </p:nvSpPr>
         <p:spPr>
           <a:xfrm>
-            <a:off x="7349674" y="5282625"/>
-            <a:ext cx="1079142" cy="584775"/>
+            <a:off x="7368910" y="5290863"/>
+            <a:ext cx="1040670" cy="584775"/>
           </a:xfrm>
           <a:prstGeom prst="rect">
             <a:avLst/>
@@ -3650,7 +4650,7 @@
                 <a:ea typeface="Open Sans" panose="020B0606030504020204" pitchFamily="34" charset="0"/>
                 <a:cs typeface="Open Sans" panose="020B0606030504020204" pitchFamily="34" charset="0"/>
               </a:rPr>
-              <a:t>Alice</a:t>
+              <a:t>Kairi</a:t>
             </a:r>
             <a:endParaRPr lang="et-EE" sz="3200" dirty="0">
               <a:latin typeface="Open Sans" panose="020B0606030504020204" pitchFamily="34" charset="0"/>
@@ -3715,7 +4715,29 @@
                 <a:ea typeface="Open Sans" panose="020B0606030504020204" pitchFamily="34" charset="0"/>
                 <a:cs typeface="Open Sans" panose="020B0606030504020204" pitchFamily="34" charset="0"/>
               </a:rPr>
-              <a:t>hey, I think I owe u €10 for last night.</a:t>
+              <a:t>hey, I think I owe u </a:t>
+            </a:r>
+            <a:r>
+              <a:rPr lang="et-EE" dirty="0" smtClean="0">
+                <a:solidFill>
+                  <a:schemeClr val="tx1"/>
+                </a:solidFill>
+                <a:latin typeface="Open Sans" panose="020B0606030504020204" pitchFamily="34" charset="0"/>
+                <a:ea typeface="Open Sans" panose="020B0606030504020204" pitchFamily="34" charset="0"/>
+                <a:cs typeface="Open Sans" panose="020B0606030504020204" pitchFamily="34" charset="0"/>
+              </a:rPr>
+              <a:t>€20 </a:t>
+            </a:r>
+            <a:r>
+              <a:rPr lang="et-EE" dirty="0" smtClean="0">
+                <a:solidFill>
+                  <a:schemeClr val="tx1"/>
+                </a:solidFill>
+                <a:latin typeface="Open Sans" panose="020B0606030504020204" pitchFamily="34" charset="0"/>
+                <a:ea typeface="Open Sans" panose="020B0606030504020204" pitchFamily="34" charset="0"/>
+                <a:cs typeface="Open Sans" panose="020B0606030504020204" pitchFamily="34" charset="0"/>
+              </a:rPr>
+              <a:t>for last night.</a:t>
             </a:r>
             <a:endParaRPr lang="et-EE" dirty="0">
               <a:solidFill>
@@ -3871,7 +4893,40 @@
                 <a:ea typeface="Open Sans" panose="020B0606030504020204" pitchFamily="34" charset="0"/>
                 <a:cs typeface="Open Sans" panose="020B0606030504020204" pitchFamily="34" charset="0"/>
               </a:rPr>
-              <a:t>ugh, I drank for Alice’s money last night...</a:t>
+              <a:t>ugh, I drank for </a:t>
+            </a:r>
+            <a:r>
+              <a:rPr lang="et-EE" dirty="0" smtClean="0">
+                <a:solidFill>
+                  <a:schemeClr val="tx1"/>
+                </a:solidFill>
+                <a:latin typeface="Open Sans" panose="020B0606030504020204" pitchFamily="34" charset="0"/>
+                <a:ea typeface="Open Sans" panose="020B0606030504020204" pitchFamily="34" charset="0"/>
+                <a:cs typeface="Open Sans" panose="020B0606030504020204" pitchFamily="34" charset="0"/>
+              </a:rPr>
+              <a:t>Kairi</a:t>
+            </a:r>
+            <a:r>
+              <a:rPr lang="et-EE" dirty="0" smtClean="0">
+                <a:solidFill>
+                  <a:schemeClr val="tx1"/>
+                </a:solidFill>
+                <a:latin typeface="Open Sans" panose="020B0606030504020204" pitchFamily="34" charset="0"/>
+                <a:ea typeface="Open Sans" panose="020B0606030504020204" pitchFamily="34" charset="0"/>
+                <a:cs typeface="Open Sans" panose="020B0606030504020204" pitchFamily="34" charset="0"/>
+              </a:rPr>
+              <a:t>’s </a:t>
+            </a:r>
+            <a:r>
+              <a:rPr lang="et-EE" dirty="0" smtClean="0">
+                <a:solidFill>
+                  <a:schemeClr val="tx1"/>
+                </a:solidFill>
+                <a:latin typeface="Open Sans" panose="020B0606030504020204" pitchFamily="34" charset="0"/>
+                <a:ea typeface="Open Sans" panose="020B0606030504020204" pitchFamily="34" charset="0"/>
+                <a:cs typeface="Open Sans" panose="020B0606030504020204" pitchFamily="34" charset="0"/>
+              </a:rPr>
+              <a:t>money last night...</a:t>
             </a:r>
             <a:endParaRPr lang="et-EE" dirty="0">
               <a:solidFill>
@@ -3892,7 +4947,7 @@
         </p:nvSpPr>
         <p:spPr>
           <a:xfrm>
-            <a:off x="1981200" y="5257800"/>
+            <a:off x="1981200" y="5829300"/>
             <a:ext cx="4755292" cy="342900"/>
           </a:xfrm>
           <a:prstGeom prst="wedgeRectCallout">
@@ -4094,6 +5149,76 @@
           </a:p>
         </p:txBody>
       </p:sp>
+      <p:sp>
+        <p:nvSpPr>
+          <p:cNvPr id="15" name="Rectangular Callout 14"/>
+          <p:cNvSpPr/>
+          <p:nvPr/>
+        </p:nvSpPr>
+        <p:spPr>
+          <a:xfrm>
+            <a:off x="1987378" y="5290863"/>
+            <a:ext cx="4755292" cy="342900"/>
+          </a:xfrm>
+          <a:prstGeom prst="wedgeRectCallout">
+            <a:avLst>
+              <a:gd name="adj1" fmla="val -54771"/>
+              <a:gd name="adj2" fmla="val -39776"/>
+            </a:avLst>
+          </a:prstGeom>
+          <a:solidFill>
+            <a:schemeClr val="accent1">
+              <a:lumMod val="20000"/>
+              <a:lumOff val="80000"/>
+            </a:schemeClr>
+          </a:solidFill>
+          <a:ln w="12700">
+            <a:prstDash val="dash"/>
+          </a:ln>
+        </p:spPr>
+        <p:style>
+          <a:lnRef idx="2">
+            <a:schemeClr val="accent1">
+              <a:shade val="50000"/>
+            </a:schemeClr>
+          </a:lnRef>
+          <a:fillRef idx="1">
+            <a:schemeClr val="accent1"/>
+          </a:fillRef>
+          <a:effectRef idx="0">
+            <a:schemeClr val="accent1"/>
+          </a:effectRef>
+          <a:fontRef idx="minor">
+            <a:schemeClr val="lt1"/>
+          </a:fontRef>
+        </p:style>
+        <p:txBody>
+          <a:bodyPr rtlCol="0" anchor="ctr"/>
+          <a:lstStyle/>
+          <a:p>
+            <a:pPr algn="ctr"/>
+            <a:r>
+              <a:rPr lang="et-EE" dirty="0" smtClean="0">
+                <a:solidFill>
+                  <a:schemeClr val="tx1"/>
+                </a:solidFill>
+                <a:latin typeface="Open Sans" panose="020B0606030504020204" pitchFamily="34" charset="0"/>
+                <a:ea typeface="Open Sans" panose="020B0606030504020204" pitchFamily="34" charset="0"/>
+                <a:cs typeface="Open Sans" panose="020B0606030504020204" pitchFamily="34" charset="0"/>
+              </a:rPr>
+              <a:t>[doing bank stuff]</a:t>
+            </a:r>
+            <a:endParaRPr lang="et-EE" dirty="0">
+              <a:solidFill>
+                <a:schemeClr val="tx1"/>
+              </a:solidFill>
+              <a:latin typeface="Open Sans" panose="020B0606030504020204" pitchFamily="34" charset="0"/>
+              <a:ea typeface="Open Sans" panose="020B0606030504020204" pitchFamily="34" charset="0"/>
+              <a:cs typeface="Open Sans" panose="020B0606030504020204" pitchFamily="34" charset="0"/>
+            </a:endParaRPr>
+          </a:p>
+        </p:txBody>
+      </p:sp>
     </p:spTree>
     <p:extLst>
       <p:ext uri="{BB962C8B-B14F-4D97-AF65-F5344CB8AC3E}">
@@ -4104,6 +5229,363 @@
   <p:clrMapOvr>
     <a:masterClrMapping/>
   </p:clrMapOvr>
+  <p:timing>
+    <p:tnLst>
+      <p:par>
+        <p:cTn id="1" dur="indefinite" restart="never" nodeType="tmRoot">
+          <p:childTnLst>
+            <p:seq concurrent="1" nextAc="seek">
+              <p:cTn id="2" dur="indefinite" nodeType="mainSeq">
+                <p:childTnLst>
+                  <p:par>
+                    <p:cTn id="3" fill="hold">
+                      <p:stCondLst>
+                        <p:cond delay="indefinite"/>
+                        <p:cond evt="onBegin" delay="0">
+                          <p:tn val="2"/>
+                        </p:cond>
+                      </p:stCondLst>
+                      <p:childTnLst>
+                        <p:par>
+                          <p:cTn id="4" fill="hold">
+                            <p:stCondLst>
+                              <p:cond delay="0"/>
+                            </p:stCondLst>
+                            <p:childTnLst>
+                              <p:par>
+                                <p:cTn id="5" presetID="1" presetClass="entr" presetSubtype="0" fill="hold" grpId="0" nodeType="withEffect">
+                                  <p:stCondLst>
+                                    <p:cond delay="0"/>
+                                  </p:stCondLst>
+                                  <p:childTnLst>
+                                    <p:set>
+                                      <p:cBhvr>
+                                        <p:cTn id="6" dur="1" fill="hold">
+                                          <p:stCondLst>
+                                            <p:cond delay="0"/>
+                                          </p:stCondLst>
+                                        </p:cTn>
+                                        <p:tgtEl>
+                                          <p:spTgt spid="9"/>
+                                        </p:tgtEl>
+                                        <p:attrNameLst>
+                                          <p:attrName>style.visibility</p:attrName>
+                                        </p:attrNameLst>
+                                      </p:cBhvr>
+                                      <p:to>
+                                        <p:strVal val="visible"/>
+                                      </p:to>
+                                    </p:set>
+                                  </p:childTnLst>
+                                </p:cTn>
+                              </p:par>
+                            </p:childTnLst>
+                          </p:cTn>
+                        </p:par>
+                      </p:childTnLst>
+                    </p:cTn>
+                  </p:par>
+                  <p:par>
+                    <p:cTn id="7" fill="hold">
+                      <p:stCondLst>
+                        <p:cond delay="indefinite"/>
+                      </p:stCondLst>
+                      <p:childTnLst>
+                        <p:par>
+                          <p:cTn id="8" fill="hold">
+                            <p:stCondLst>
+                              <p:cond delay="0"/>
+                            </p:stCondLst>
+                            <p:childTnLst>
+                              <p:par>
+                                <p:cTn id="9" presetID="1" presetClass="entr" presetSubtype="0" fill="hold" grpId="0" nodeType="clickEffect">
+                                  <p:stCondLst>
+                                    <p:cond delay="0"/>
+                                  </p:stCondLst>
+                                  <p:childTnLst>
+                                    <p:set>
+                                      <p:cBhvr>
+                                        <p:cTn id="10" dur="1" fill="hold">
+                                          <p:stCondLst>
+                                            <p:cond delay="0"/>
+                                          </p:stCondLst>
+                                        </p:cTn>
+                                        <p:tgtEl>
+                                          <p:spTgt spid="8"/>
+                                        </p:tgtEl>
+                                        <p:attrNameLst>
+                                          <p:attrName>style.visibility</p:attrName>
+                                        </p:attrNameLst>
+                                      </p:cBhvr>
+                                      <p:to>
+                                        <p:strVal val="visible"/>
+                                      </p:to>
+                                    </p:set>
+                                  </p:childTnLst>
+                                </p:cTn>
+                              </p:par>
+                            </p:childTnLst>
+                          </p:cTn>
+                        </p:par>
+                      </p:childTnLst>
+                    </p:cTn>
+                  </p:par>
+                  <p:par>
+                    <p:cTn id="11" fill="hold">
+                      <p:stCondLst>
+                        <p:cond delay="indefinite"/>
+                      </p:stCondLst>
+                      <p:childTnLst>
+                        <p:par>
+                          <p:cTn id="12" fill="hold">
+                            <p:stCondLst>
+                              <p:cond delay="0"/>
+                            </p:stCondLst>
+                            <p:childTnLst>
+                              <p:par>
+                                <p:cTn id="13" presetID="1" presetClass="entr" presetSubtype="0" fill="hold" grpId="0" nodeType="clickEffect">
+                                  <p:stCondLst>
+                                    <p:cond delay="0"/>
+                                  </p:stCondLst>
+                                  <p:childTnLst>
+                                    <p:set>
+                                      <p:cBhvr>
+                                        <p:cTn id="14" dur="1" fill="hold">
+                                          <p:stCondLst>
+                                            <p:cond delay="0"/>
+                                          </p:stCondLst>
+                                        </p:cTn>
+                                        <p:tgtEl>
+                                          <p:spTgt spid="18"/>
+                                        </p:tgtEl>
+                                        <p:attrNameLst>
+                                          <p:attrName>style.visibility</p:attrName>
+                                        </p:attrNameLst>
+                                      </p:cBhvr>
+                                      <p:to>
+                                        <p:strVal val="visible"/>
+                                      </p:to>
+                                    </p:set>
+                                  </p:childTnLst>
+                                </p:cTn>
+                              </p:par>
+                            </p:childTnLst>
+                          </p:cTn>
+                        </p:par>
+                      </p:childTnLst>
+                    </p:cTn>
+                  </p:par>
+                  <p:par>
+                    <p:cTn id="15" fill="hold">
+                      <p:stCondLst>
+                        <p:cond delay="indefinite"/>
+                      </p:stCondLst>
+                      <p:childTnLst>
+                        <p:par>
+                          <p:cTn id="16" fill="hold">
+                            <p:stCondLst>
+                              <p:cond delay="0"/>
+                            </p:stCondLst>
+                            <p:childTnLst>
+                              <p:par>
+                                <p:cTn id="17" presetID="1" presetClass="entr" presetSubtype="0" fill="hold" grpId="0" nodeType="clickEffect">
+                                  <p:stCondLst>
+                                    <p:cond delay="0"/>
+                                  </p:stCondLst>
+                                  <p:childTnLst>
+                                    <p:set>
+                                      <p:cBhvr>
+                                        <p:cTn id="18" dur="1" fill="hold">
+                                          <p:stCondLst>
+                                            <p:cond delay="0"/>
+                                          </p:stCondLst>
+                                        </p:cTn>
+                                        <p:tgtEl>
+                                          <p:spTgt spid="19"/>
+                                        </p:tgtEl>
+                                        <p:attrNameLst>
+                                          <p:attrName>style.visibility</p:attrName>
+                                        </p:attrNameLst>
+                                      </p:cBhvr>
+                                      <p:to>
+                                        <p:strVal val="visible"/>
+                                      </p:to>
+                                    </p:set>
+                                  </p:childTnLst>
+                                </p:cTn>
+                              </p:par>
+                            </p:childTnLst>
+                          </p:cTn>
+                        </p:par>
+                      </p:childTnLst>
+                    </p:cTn>
+                  </p:par>
+                  <p:par>
+                    <p:cTn id="19" fill="hold">
+                      <p:stCondLst>
+                        <p:cond delay="indefinite"/>
+                      </p:stCondLst>
+                      <p:childTnLst>
+                        <p:par>
+                          <p:cTn id="20" fill="hold">
+                            <p:stCondLst>
+                              <p:cond delay="0"/>
+                            </p:stCondLst>
+                            <p:childTnLst>
+                              <p:par>
+                                <p:cTn id="21" presetID="1" presetClass="entr" presetSubtype="0" fill="hold" grpId="0" nodeType="clickEffect">
+                                  <p:stCondLst>
+                                    <p:cond delay="0"/>
+                                  </p:stCondLst>
+                                  <p:childTnLst>
+                                    <p:set>
+                                      <p:cBhvr>
+                                        <p:cTn id="22" dur="1" fill="hold">
+                                          <p:stCondLst>
+                                            <p:cond delay="0"/>
+                                          </p:stCondLst>
+                                        </p:cTn>
+                                        <p:tgtEl>
+                                          <p:spTgt spid="14"/>
+                                        </p:tgtEl>
+                                        <p:attrNameLst>
+                                          <p:attrName>style.visibility</p:attrName>
+                                        </p:attrNameLst>
+                                      </p:cBhvr>
+                                      <p:to>
+                                        <p:strVal val="visible"/>
+                                      </p:to>
+                                    </p:set>
+                                  </p:childTnLst>
+                                </p:cTn>
+                              </p:par>
+                            </p:childTnLst>
+                          </p:cTn>
+                        </p:par>
+                      </p:childTnLst>
+                    </p:cTn>
+                  </p:par>
+                  <p:par>
+                    <p:cTn id="23" fill="hold">
+                      <p:stCondLst>
+                        <p:cond delay="indefinite"/>
+                      </p:stCondLst>
+                      <p:childTnLst>
+                        <p:par>
+                          <p:cTn id="24" fill="hold">
+                            <p:stCondLst>
+                              <p:cond delay="0"/>
+                            </p:stCondLst>
+                            <p:childTnLst>
+                              <p:par>
+                                <p:cTn id="25" presetID="1" presetClass="entr" presetSubtype="0" fill="hold" grpId="0" nodeType="clickEffect">
+                                  <p:stCondLst>
+                                    <p:cond delay="0"/>
+                                  </p:stCondLst>
+                                  <p:childTnLst>
+                                    <p:set>
+                                      <p:cBhvr>
+                                        <p:cTn id="26" dur="1" fill="hold">
+                                          <p:stCondLst>
+                                            <p:cond delay="0"/>
+                                          </p:stCondLst>
+                                        </p:cTn>
+                                        <p:tgtEl>
+                                          <p:spTgt spid="15"/>
+                                        </p:tgtEl>
+                                        <p:attrNameLst>
+                                          <p:attrName>style.visibility</p:attrName>
+                                        </p:attrNameLst>
+                                      </p:cBhvr>
+                                      <p:to>
+                                        <p:strVal val="visible"/>
+                                      </p:to>
+                                    </p:set>
+                                  </p:childTnLst>
+                                </p:cTn>
+                              </p:par>
+                            </p:childTnLst>
+                          </p:cTn>
+                        </p:par>
+                      </p:childTnLst>
+                    </p:cTn>
+                  </p:par>
+                  <p:par>
+                    <p:cTn id="27" fill="hold">
+                      <p:stCondLst>
+                        <p:cond delay="indefinite"/>
+                      </p:stCondLst>
+                      <p:childTnLst>
+                        <p:par>
+                          <p:cTn id="28" fill="hold">
+                            <p:stCondLst>
+                              <p:cond delay="0"/>
+                            </p:stCondLst>
+                            <p:childTnLst>
+                              <p:par>
+                                <p:cTn id="29" presetID="1" presetClass="entr" presetSubtype="0" fill="hold" grpId="0" nodeType="clickEffect">
+                                  <p:stCondLst>
+                                    <p:cond delay="0"/>
+                                  </p:stCondLst>
+                                  <p:childTnLst>
+                                    <p:set>
+                                      <p:cBhvr>
+                                        <p:cTn id="30" dur="1" fill="hold">
+                                          <p:stCondLst>
+                                            <p:cond delay="0"/>
+                                          </p:stCondLst>
+                                        </p:cTn>
+                                        <p:tgtEl>
+                                          <p:spTgt spid="16"/>
+                                        </p:tgtEl>
+                                        <p:attrNameLst>
+                                          <p:attrName>style.visibility</p:attrName>
+                                        </p:attrNameLst>
+                                      </p:cBhvr>
+                                      <p:to>
+                                        <p:strVal val="visible"/>
+                                      </p:to>
+                                    </p:set>
+                                  </p:childTnLst>
+                                </p:cTn>
+                              </p:par>
+                            </p:childTnLst>
+                          </p:cTn>
+                        </p:par>
+                      </p:childTnLst>
+                    </p:cTn>
+                  </p:par>
+                </p:childTnLst>
+              </p:cTn>
+              <p:prevCondLst>
+                <p:cond evt="onPrev" delay="0">
+                  <p:tgtEl>
+                    <p:sldTgt/>
+                  </p:tgtEl>
+                </p:cond>
+              </p:prevCondLst>
+              <p:nextCondLst>
+                <p:cond evt="onNext" delay="0">
+                  <p:tgtEl>
+                    <p:sldTgt/>
+                  </p:tgtEl>
+                </p:cond>
+              </p:nextCondLst>
+            </p:seq>
+          </p:childTnLst>
+        </p:cTn>
+      </p:par>
+    </p:tnLst>
+    <p:bldLst>
+      <p:bldP spid="8" grpId="0" animBg="1"/>
+      <p:bldP spid="14" grpId="0" animBg="1"/>
+      <p:bldP spid="9" grpId="0" animBg="1"/>
+      <p:bldP spid="16" grpId="0" animBg="1"/>
+      <p:bldP spid="18" grpId="0" animBg="1"/>
+      <p:bldP spid="19" grpId="0" animBg="1"/>
+      <p:bldP spid="15" grpId="0" animBg="1"/>
+    </p:bldLst>
+  </p:timing>
 </p:sld>
 </file>
 
@@ -4137,7 +5619,7 @@
         <p:spPr/>
         <p:txBody>
           <a:bodyPr>
-            <a:normAutofit/>
+            <a:normAutofit fontScale="90000"/>
           </a:bodyPr>
           <a:lstStyle/>
           <a:p>
@@ -4233,82 +5715,6 @@
       </p:pic>
       <p:sp>
         <p:nvSpPr>
-          <p:cNvPr id="7" name="TextBox 6"/>
-          <p:cNvSpPr txBox="1"/>
-          <p:nvPr/>
-        </p:nvSpPr>
-        <p:spPr>
-          <a:xfrm>
-            <a:off x="705649" y="5282625"/>
-            <a:ext cx="950901" cy="584775"/>
-          </a:xfrm>
-          <a:prstGeom prst="rect">
-            <a:avLst/>
-          </a:prstGeom>
-          <a:noFill/>
-        </p:spPr>
-        <p:txBody>
-          <a:bodyPr wrap="none" rtlCol="0">
-            <a:spAutoFit/>
-          </a:bodyPr>
-          <a:lstStyle/>
-          <a:p>
-            <a:r>
-              <a:rPr lang="et-EE" sz="3200" dirty="0" smtClean="0">
-                <a:latin typeface="Open Sans" panose="020B0606030504020204" pitchFamily="34" charset="0"/>
-                <a:ea typeface="Open Sans" panose="020B0606030504020204" pitchFamily="34" charset="0"/>
-                <a:cs typeface="Open Sans" panose="020B0606030504020204" pitchFamily="34" charset="0"/>
-              </a:rPr>
-              <a:t>Bob</a:t>
-            </a:r>
-            <a:endParaRPr lang="et-EE" sz="3200" dirty="0">
-              <a:latin typeface="Open Sans" panose="020B0606030504020204" pitchFamily="34" charset="0"/>
-              <a:ea typeface="Open Sans" panose="020B0606030504020204" pitchFamily="34" charset="0"/>
-              <a:cs typeface="Open Sans" panose="020B0606030504020204" pitchFamily="34" charset="0"/>
-            </a:endParaRPr>
-          </a:p>
-        </p:txBody>
-      </p:sp>
-      <p:sp>
-        <p:nvSpPr>
-          <p:cNvPr id="10" name="TextBox 9"/>
-          <p:cNvSpPr txBox="1"/>
-          <p:nvPr/>
-        </p:nvSpPr>
-        <p:spPr>
-          <a:xfrm>
-            <a:off x="7349674" y="5282625"/>
-            <a:ext cx="1079142" cy="584775"/>
-          </a:xfrm>
-          <a:prstGeom prst="rect">
-            <a:avLst/>
-          </a:prstGeom>
-          <a:noFill/>
-        </p:spPr>
-        <p:txBody>
-          <a:bodyPr wrap="none" rtlCol="0">
-            <a:spAutoFit/>
-          </a:bodyPr>
-          <a:lstStyle/>
-          <a:p>
-            <a:r>
-              <a:rPr lang="et-EE" sz="3200" dirty="0" smtClean="0">
-                <a:latin typeface="Open Sans" panose="020B0606030504020204" pitchFamily="34" charset="0"/>
-                <a:ea typeface="Open Sans" panose="020B0606030504020204" pitchFamily="34" charset="0"/>
-                <a:cs typeface="Open Sans" panose="020B0606030504020204" pitchFamily="34" charset="0"/>
-              </a:rPr>
-              <a:t>Alice</a:t>
-            </a:r>
-            <a:endParaRPr lang="et-EE" sz="3200" dirty="0">
-              <a:latin typeface="Open Sans" panose="020B0606030504020204" pitchFamily="34" charset="0"/>
-              <a:ea typeface="Open Sans" panose="020B0606030504020204" pitchFamily="34" charset="0"/>
-              <a:cs typeface="Open Sans" panose="020B0606030504020204" pitchFamily="34" charset="0"/>
-            </a:endParaRPr>
-          </a:p>
-        </p:txBody>
-      </p:sp>
-      <p:sp>
-        <p:nvSpPr>
           <p:cNvPr id="8" name="Rectangular Callout 7"/>
           <p:cNvSpPr/>
           <p:nvPr/>
@@ -4362,7 +5768,29 @@
                 <a:ea typeface="Open Sans" panose="020B0606030504020204" pitchFamily="34" charset="0"/>
                 <a:cs typeface="Open Sans" panose="020B0606030504020204" pitchFamily="34" charset="0"/>
               </a:rPr>
-              <a:t>hey, I think I owe u €10 for last night.</a:t>
+              <a:t>hey, I think I owe u </a:t>
+            </a:r>
+            <a:r>
+              <a:rPr lang="et-EE" dirty="0" smtClean="0">
+                <a:solidFill>
+                  <a:schemeClr val="tx1"/>
+                </a:solidFill>
+                <a:latin typeface="Open Sans" panose="020B0606030504020204" pitchFamily="34" charset="0"/>
+                <a:ea typeface="Open Sans" panose="020B0606030504020204" pitchFamily="34" charset="0"/>
+                <a:cs typeface="Open Sans" panose="020B0606030504020204" pitchFamily="34" charset="0"/>
+              </a:rPr>
+              <a:t>€20 </a:t>
+            </a:r>
+            <a:r>
+              <a:rPr lang="et-EE" dirty="0" smtClean="0">
+                <a:solidFill>
+                  <a:schemeClr val="tx1"/>
+                </a:solidFill>
+                <a:latin typeface="Open Sans" panose="020B0606030504020204" pitchFamily="34" charset="0"/>
+                <a:ea typeface="Open Sans" panose="020B0606030504020204" pitchFamily="34" charset="0"/>
+                <a:cs typeface="Open Sans" panose="020B0606030504020204" pitchFamily="34" charset="0"/>
+              </a:rPr>
+              <a:t>for last night.</a:t>
             </a:r>
           </a:p>
           <a:p>
@@ -4458,7 +5886,40 @@
                 <a:ea typeface="Open Sans" panose="020B0606030504020204" pitchFamily="34" charset="0"/>
                 <a:cs typeface="Open Sans" panose="020B0606030504020204" pitchFamily="34" charset="0"/>
               </a:rPr>
-              <a:t>ugh, I drank for Alice’s money last night...</a:t>
+              <a:t>ugh, I drank for </a:t>
+            </a:r>
+            <a:r>
+              <a:rPr lang="et-EE" dirty="0" smtClean="0">
+                <a:solidFill>
+                  <a:schemeClr val="tx1"/>
+                </a:solidFill>
+                <a:latin typeface="Open Sans" panose="020B0606030504020204" pitchFamily="34" charset="0"/>
+                <a:ea typeface="Open Sans" panose="020B0606030504020204" pitchFamily="34" charset="0"/>
+                <a:cs typeface="Open Sans" panose="020B0606030504020204" pitchFamily="34" charset="0"/>
+              </a:rPr>
+              <a:t>Kairi</a:t>
+            </a:r>
+            <a:r>
+              <a:rPr lang="et-EE" dirty="0" smtClean="0">
+                <a:solidFill>
+                  <a:schemeClr val="tx1"/>
+                </a:solidFill>
+                <a:latin typeface="Open Sans" panose="020B0606030504020204" pitchFamily="34" charset="0"/>
+                <a:ea typeface="Open Sans" panose="020B0606030504020204" pitchFamily="34" charset="0"/>
+                <a:cs typeface="Open Sans" panose="020B0606030504020204" pitchFamily="34" charset="0"/>
+              </a:rPr>
+              <a:t>’s </a:t>
+            </a:r>
+            <a:r>
+              <a:rPr lang="et-EE" dirty="0" smtClean="0">
+                <a:solidFill>
+                  <a:schemeClr val="tx1"/>
+                </a:solidFill>
+                <a:latin typeface="Open Sans" panose="020B0606030504020204" pitchFamily="34" charset="0"/>
+                <a:ea typeface="Open Sans" panose="020B0606030504020204" pitchFamily="34" charset="0"/>
+                <a:cs typeface="Open Sans" panose="020B0606030504020204" pitchFamily="34" charset="0"/>
+              </a:rPr>
+              <a:t>money last night...</a:t>
             </a:r>
             <a:endParaRPr lang="et-EE" dirty="0">
               <a:solidFill>
@@ -4545,6 +6006,82 @@
           </a:p>
         </p:txBody>
       </p:sp>
+      <p:sp>
+        <p:nvSpPr>
+          <p:cNvPr id="11" name="TextBox 10"/>
+          <p:cNvSpPr txBox="1"/>
+          <p:nvPr/>
+        </p:nvSpPr>
+        <p:spPr>
+          <a:xfrm>
+            <a:off x="598664" y="5282624"/>
+            <a:ext cx="1164871" cy="584775"/>
+          </a:xfrm>
+          <a:prstGeom prst="rect">
+            <a:avLst/>
+          </a:prstGeom>
+          <a:noFill/>
+        </p:spPr>
+        <p:txBody>
+          <a:bodyPr wrap="none" rtlCol="0">
+            <a:spAutoFit/>
+          </a:bodyPr>
+          <a:lstStyle/>
+          <a:p>
+            <a:r>
+              <a:rPr lang="et-EE" sz="3200" dirty="0" smtClean="0">
+                <a:latin typeface="Open Sans" panose="020B0606030504020204" pitchFamily="34" charset="0"/>
+                <a:ea typeface="Open Sans" panose="020B0606030504020204" pitchFamily="34" charset="0"/>
+                <a:cs typeface="Open Sans" panose="020B0606030504020204" pitchFamily="34" charset="0"/>
+              </a:rPr>
+              <a:t>Taivo</a:t>
+            </a:r>
+            <a:endParaRPr lang="et-EE" sz="3200" dirty="0">
+              <a:latin typeface="Open Sans" panose="020B0606030504020204" pitchFamily="34" charset="0"/>
+              <a:ea typeface="Open Sans" panose="020B0606030504020204" pitchFamily="34" charset="0"/>
+              <a:cs typeface="Open Sans" panose="020B0606030504020204" pitchFamily="34" charset="0"/>
+            </a:endParaRPr>
+          </a:p>
+        </p:txBody>
+      </p:sp>
+      <p:sp>
+        <p:nvSpPr>
+          <p:cNvPr id="12" name="TextBox 11"/>
+          <p:cNvSpPr txBox="1"/>
+          <p:nvPr/>
+        </p:nvSpPr>
+        <p:spPr>
+          <a:xfrm>
+            <a:off x="7368910" y="5290863"/>
+            <a:ext cx="1040670" cy="584775"/>
+          </a:xfrm>
+          <a:prstGeom prst="rect">
+            <a:avLst/>
+          </a:prstGeom>
+          <a:noFill/>
+        </p:spPr>
+        <p:txBody>
+          <a:bodyPr wrap="none" rtlCol="0">
+            <a:spAutoFit/>
+          </a:bodyPr>
+          <a:lstStyle/>
+          <a:p>
+            <a:r>
+              <a:rPr lang="et-EE" sz="3200" dirty="0" smtClean="0">
+                <a:latin typeface="Open Sans" panose="020B0606030504020204" pitchFamily="34" charset="0"/>
+                <a:ea typeface="Open Sans" panose="020B0606030504020204" pitchFamily="34" charset="0"/>
+                <a:cs typeface="Open Sans" panose="020B0606030504020204" pitchFamily="34" charset="0"/>
+              </a:rPr>
+              <a:t>Kairi</a:t>
+            </a:r>
+            <a:endParaRPr lang="et-EE" sz="3200" dirty="0">
+              <a:latin typeface="Open Sans" panose="020B0606030504020204" pitchFamily="34" charset="0"/>
+              <a:ea typeface="Open Sans" panose="020B0606030504020204" pitchFamily="34" charset="0"/>
+              <a:cs typeface="Open Sans" panose="020B0606030504020204" pitchFamily="34" charset="0"/>
+            </a:endParaRPr>
+          </a:p>
+        </p:txBody>
+      </p:sp>
     </p:spTree>
     <p:extLst>
       <p:ext uri="{BB962C8B-B14F-4D97-AF65-F5344CB8AC3E}">
@@ -4555,6 +6092,13 @@
   <p:clrMapOvr>
     <a:masterClrMapping/>
   </p:clrMapOvr>
+  <p:timing>
+    <p:tnLst>
+      <p:par>
+        <p:cTn id="1" dur="indefinite" restart="never" nodeType="tmRoot"/>
+      </p:par>
+    </p:tnLst>
+  </p:timing>
 </p:sld>
 </file>
 
@@ -4590,26 +6134,11 @@
           <a:bodyPr/>
           <a:lstStyle/>
           <a:p>
-            <a:endParaRPr lang="et-EE"/>
-          </a:p>
-        </p:txBody>
-      </p:sp>
-      <p:sp>
-        <p:nvSpPr>
-          <p:cNvPr id="3" name="Content Placeholder 2"/>
-          <p:cNvSpPr>
-            <a:spLocks noGrp="1"/>
-          </p:cNvSpPr>
-          <p:nvPr>
-            <p:ph idx="1"/>
-          </p:nvPr>
-        </p:nvSpPr>
-        <p:spPr/>
-        <p:txBody>
-          <a:bodyPr/>
-          <a:lstStyle/>
-          <a:p>
-            <a:endParaRPr lang="et-EE"/>
+            <a:r>
+              <a:rPr lang="et-EE" dirty="0" smtClean="0"/>
+              <a:t>Problem</a:t>
+            </a:r>
+            <a:endParaRPr lang="et-EE" dirty="0"/>
           </a:p>
         </p:txBody>
       </p:sp>
@@ -4623,8 +6152,8 @@
         </p:nvSpPr>
         <p:spPr>
           <a:xfrm>
-            <a:off x="457200" y="4876800"/>
-            <a:ext cx="8229600" cy="1295400"/>
+            <a:off x="457200" y="1676400"/>
+            <a:ext cx="8229600" cy="4495800"/>
           </a:xfrm>
           <a:prstGeom prst="rect">
             <a:avLst/>
@@ -4773,24 +6302,56 @@
           </a:lstStyle>
           <a:p>
             <a:pPr marL="0" indent="0" algn="ctr">
-              <a:buFont typeface="Arial" pitchFamily="34" charset="0"/>
               <a:buNone/>
             </a:pPr>
-            <a:r>
-              <a:rPr lang="et-EE" smtClean="0"/>
-              <a:t>Private bank info</a:t>
-            </a:r>
+            <a:endParaRPr lang="et-EE" dirty="0" smtClean="0"/>
           </a:p>
           <a:p>
             <a:pPr marL="0" indent="0" algn="ctr">
-              <a:buFont typeface="Arial" pitchFamily="34" charset="0"/>
               <a:buNone/>
             </a:pPr>
-            <a:r>
-              <a:rPr lang="et-EE" smtClean="0"/>
-              <a:t>Overhead on accounts &amp; details</a:t>
-            </a:r>
             <a:endParaRPr lang="et-EE" dirty="0" smtClean="0"/>
+          </a:p>
+          <a:p>
+            <a:pPr marL="0" indent="0" algn="ctr">
+              <a:buNone/>
+            </a:pPr>
+            <a:r>
+              <a:rPr lang="et-EE" dirty="0" smtClean="0"/>
+              <a:t>Overhead </a:t>
+            </a:r>
+            <a:r>
+              <a:rPr lang="et-EE" dirty="0"/>
+              <a:t>on accounts &amp; </a:t>
+            </a:r>
+            <a:r>
+              <a:rPr lang="et-EE" dirty="0" smtClean="0"/>
+              <a:t>details</a:t>
+            </a:r>
+          </a:p>
+          <a:p>
+            <a:pPr marL="0" indent="0" algn="ctr">
+              <a:buNone/>
+            </a:pPr>
+            <a:endParaRPr lang="et-EE" dirty="0"/>
+          </a:p>
+          <a:p>
+            <a:pPr marL="0" indent="0" algn="ctr">
+              <a:buNone/>
+            </a:pPr>
+            <a:r>
+              <a:rPr lang="et-EE" dirty="0" smtClean="0"/>
+              <a:t>Private </a:t>
+            </a:r>
+            <a:r>
+              <a:rPr lang="et-EE" dirty="0"/>
+              <a:t>bank </a:t>
+            </a:r>
+            <a:r>
+              <a:rPr lang="et-EE" dirty="0" smtClean="0"/>
+              <a:t>info</a:t>
+            </a:r>
+            <a:endParaRPr lang="et-EE" dirty="0"/>
           </a:p>
         </p:txBody>
       </p:sp>
@@ -4804,6 +6365,13 @@
   <p:clrMapOvr>
     <a:masterClrMapping/>
   </p:clrMapOvr>
+  <p:timing>
+    <p:tnLst>
+      <p:par>
+        <p:cTn id="1" dur="indefinite" restart="never" nodeType="tmRoot"/>
+      </p:par>
+    </p:tnLst>
+  </p:timing>
 </p:sld>
 </file>
 
@@ -4841,27 +6409,8 @@
           <a:p>
             <a:r>
               <a:rPr lang="et-EE" dirty="0" smtClean="0"/>
-              <a:t>Unfair advantage</a:t>
-            </a:r>
-            <a:endParaRPr lang="et-EE" dirty="0"/>
-          </a:p>
-        </p:txBody>
-      </p:sp>
-      <p:sp>
-        <p:nvSpPr>
-          <p:cNvPr id="3" name="Content Placeholder 2"/>
-          <p:cNvSpPr>
-            <a:spLocks noGrp="1"/>
-          </p:cNvSpPr>
-          <p:nvPr>
-            <p:ph idx="1"/>
-          </p:nvPr>
-        </p:nvSpPr>
-        <p:spPr/>
-        <p:txBody>
-          <a:bodyPr/>
-          <a:lstStyle/>
-          <a:p>
+              <a:t>DEMO</a:t>
+            </a:r>
             <a:endParaRPr lang="et-EE" dirty="0"/>
           </a:p>
         </p:txBody>
@@ -4869,13 +6418,20 @@
     </p:spTree>
     <p:extLst>
       <p:ext uri="{BB962C8B-B14F-4D97-AF65-F5344CB8AC3E}">
-        <p14:creationId xmlns:p14="http://schemas.microsoft.com/office/powerpoint/2010/main" val="4282377335"/>
+        <p14:creationId xmlns:p14="http://schemas.microsoft.com/office/powerpoint/2010/main" val="1669626681"/>
       </p:ext>
     </p:extLst>
   </p:cSld>
   <p:clrMapOvr>
     <a:masterClrMapping/>
   </p:clrMapOvr>
+  <p:timing>
+    <p:tnLst>
+      <p:par>
+        <p:cTn id="1" dur="indefinite" restart="never" nodeType="tmRoot"/>
+      </p:par>
+    </p:tnLst>
+  </p:timing>
 </p:sld>
 </file>
 
@@ -4913,7 +6469,7 @@
           <a:p>
             <a:r>
               <a:rPr lang="et-EE" dirty="0" smtClean="0"/>
-              <a:t>DEMO</a:t>
+              <a:t>Metrics</a:t>
             </a:r>
             <a:endParaRPr lang="et-EE" dirty="0"/>
           </a:p>
@@ -4934,20 +6490,86 @@
           <a:bodyPr/>
           <a:lstStyle/>
           <a:p>
-            <a:endParaRPr lang="et-EE"/>
+            <a:pPr marL="0" indent="0" algn="ctr">
+              <a:buNone/>
+            </a:pPr>
+            <a:endParaRPr lang="et-EE" dirty="0" smtClean="0"/>
+          </a:p>
+          <a:p>
+            <a:pPr marL="0" indent="0" algn="ctr">
+              <a:buNone/>
+            </a:pPr>
+            <a:endParaRPr lang="et-EE" dirty="0" smtClean="0"/>
+          </a:p>
+          <a:p>
+            <a:pPr marL="0" indent="0" algn="ctr">
+              <a:buNone/>
+            </a:pPr>
+            <a:r>
+              <a:rPr lang="et-EE" dirty="0" smtClean="0"/>
+              <a:t>CTR on TW links/affiliate sites</a:t>
+            </a:r>
+          </a:p>
+          <a:p>
+            <a:pPr marL="0" indent="0" algn="ctr">
+              <a:buNone/>
+            </a:pPr>
+            <a:endParaRPr lang="et-EE" dirty="0"/>
+          </a:p>
+          <a:p>
+            <a:pPr marL="0" indent="0" algn="ctr">
+              <a:buNone/>
+            </a:pPr>
+            <a:r>
+              <a:rPr lang="et-EE" dirty="0"/>
+              <a:t>% of visits </a:t>
+            </a:r>
+            <a:r>
+              <a:rPr lang="et-EE" dirty="0" smtClean="0"/>
+              <a:t>converted</a:t>
+            </a:r>
+          </a:p>
+          <a:p>
+            <a:pPr marL="0" indent="0" algn="ctr">
+              <a:buNone/>
+            </a:pPr>
+            <a:endParaRPr lang="et-EE" dirty="0"/>
+          </a:p>
+          <a:p>
+            <a:pPr marL="0" indent="0" algn="ctr">
+              <a:buNone/>
+            </a:pPr>
+            <a:r>
+              <a:rPr lang="et-EE" dirty="0" smtClean="0"/>
+              <a:t>% of sent payments received</a:t>
+            </a:r>
+            <a:endParaRPr lang="et-EE" dirty="0"/>
+          </a:p>
+          <a:p>
+            <a:pPr marL="0" indent="0" algn="ctr">
+              <a:buNone/>
+            </a:pPr>
+            <a:endParaRPr lang="et-EE" dirty="0"/>
           </a:p>
         </p:txBody>
       </p:sp>
     </p:spTree>
     <p:extLst>
       <p:ext uri="{BB962C8B-B14F-4D97-AF65-F5344CB8AC3E}">
-        <p14:creationId xmlns:p14="http://schemas.microsoft.com/office/powerpoint/2010/main" val="1669626681"/>
+        <p14:creationId xmlns:p14="http://schemas.microsoft.com/office/powerpoint/2010/main" val="4282377335"/>
       </p:ext>
     </p:extLst>
   </p:cSld>
   <p:clrMapOvr>
     <a:masterClrMapping/>
   </p:clrMapOvr>
+  <p:timing>
+    <p:tnLst>
+      <p:par>
+        <p:cTn id="1" dur="indefinite" restart="never" nodeType="tmRoot"/>
+      </p:par>
+    </p:tnLst>
+  </p:timing>
 </p:sld>
 </file>
 
@@ -4985,7 +6607,7 @@
           <a:p>
             <a:r>
               <a:rPr lang="et-EE" dirty="0" smtClean="0"/>
-              <a:t>Market</a:t>
+              <a:t>Early adopters</a:t>
             </a:r>
             <a:endParaRPr lang="et-EE" dirty="0"/>
           </a:p>
@@ -5015,7 +6637,14 @@
             <a:pPr marL="0" indent="0" algn="ctr">
               <a:buNone/>
             </a:pPr>
-            <a:endParaRPr lang="et-EE" dirty="0" smtClean="0"/>
+            <a:r>
+              <a:rPr lang="et-EE" dirty="0"/>
+              <a:t>T</a:t>
+            </a:r>
+            <a:r>
+              <a:rPr lang="et-EE" dirty="0" smtClean="0"/>
+              <a:t>ech-savvy</a:t>
+            </a:r>
           </a:p>
           <a:p>
             <a:pPr marL="0" indent="0" algn="ctr">
@@ -5023,50 +6652,54 @@
             </a:pPr>
             <a:r>
               <a:rPr lang="et-EE" dirty="0" smtClean="0"/>
-              <a:t>Freelancers </a:t>
-            </a:r>
+              <a:t>20-something</a:t>
+            </a:r>
+          </a:p>
+          <a:p>
+            <a:pPr marL="0" indent="0" algn="ctr">
+              <a:buNone/>
+            </a:pPr>
             <a:r>
               <a:rPr lang="et-EE" dirty="0"/>
-              <a:t>&gt;1B $</a:t>
+              <a:t>M</a:t>
+            </a:r>
+            <a:r>
+              <a:rPr lang="et-EE" dirty="0" smtClean="0"/>
+              <a:t>edium income</a:t>
             </a:r>
           </a:p>
           <a:p>
             <a:pPr marL="0" indent="0" algn="ctr">
               <a:buNone/>
             </a:pPr>
-            <a:endParaRPr lang="et-EE" dirty="0" smtClean="0"/>
-          </a:p>
-          <a:p>
-            <a:pPr marL="0" indent="0" algn="ctr">
-              <a:buNone/>
-            </a:pPr>
+            <a:r>
+              <a:rPr lang="et-EE" dirty="0"/>
+              <a:t>D</a:t>
+            </a:r>
             <a:r>
               <a:rPr lang="et-EE" dirty="0" smtClean="0"/>
-              <a:t>Classified </a:t>
-            </a:r>
-            <a:r>
-              <a:rPr lang="et-EE" dirty="0"/>
-              <a:t>ads &gt;10B $</a:t>
-            </a:r>
-          </a:p>
-          <a:p>
-            <a:pPr marL="0" indent="0" algn="ctr">
-              <a:buNone/>
-            </a:pPr>
-            <a:endParaRPr lang="et-EE" dirty="0"/>
+              <a:t>ines/drinks out with friends</a:t>
+            </a:r>
           </a:p>
         </p:txBody>
       </p:sp>
     </p:spTree>
     <p:extLst>
       <p:ext uri="{BB962C8B-B14F-4D97-AF65-F5344CB8AC3E}">
-        <p14:creationId xmlns:p14="http://schemas.microsoft.com/office/powerpoint/2010/main" val="4089070661"/>
+        <p14:creationId xmlns:p14="http://schemas.microsoft.com/office/powerpoint/2010/main" val="1310533380"/>
       </p:ext>
     </p:extLst>
   </p:cSld>
   <p:clrMapOvr>
     <a:masterClrMapping/>
   </p:clrMapOvr>
+  <p:timing>
+    <p:tnLst>
+      <p:par>
+        <p:cTn id="1" dur="indefinite" restart="never" nodeType="tmRoot"/>
+      </p:par>
+    </p:tnLst>
+  </p:timing>
 </p:sld>
 </file>
 
@@ -5104,7 +6737,7 @@
           <a:p>
             <a:r>
               <a:rPr lang="et-EE" dirty="0" smtClean="0"/>
-              <a:t>Competition</a:t>
+              <a:t>Market</a:t>
             </a:r>
             <a:endParaRPr lang="et-EE" dirty="0"/>
           </a:p>
@@ -5120,27 +6753,73 @@
             <p:ph idx="1"/>
           </p:nvPr>
         </p:nvSpPr>
-        <p:spPr/>
+        <p:spPr>
+          <a:xfrm>
+            <a:off x="457200" y="1447800"/>
+            <a:ext cx="8229600" cy="4525963"/>
+          </a:xfrm>
+        </p:spPr>
         <p:txBody>
           <a:bodyPr/>
           <a:lstStyle/>
           <a:p>
+            <a:pPr marL="0" indent="0" algn="ctr">
+              <a:buNone/>
+            </a:pPr>
+            <a:endParaRPr lang="et-EE" dirty="0" smtClean="0"/>
+          </a:p>
+          <a:p>
+            <a:pPr marL="0" indent="0" algn="ctr">
+              <a:buNone/>
+            </a:pPr>
             <a:r>
               <a:rPr lang="et-EE" dirty="0" smtClean="0"/>
-              <a:t>Stripe pay</a:t>
-            </a:r>
-          </a:p>
-          <a:p>
+              <a:t>P2P national transfers</a:t>
+            </a:r>
+            <a:endParaRPr lang="et-EE" dirty="0" smtClean="0"/>
+          </a:p>
+          <a:p>
+            <a:pPr marL="0" indent="0" algn="ctr">
+              <a:buNone/>
+            </a:pPr>
+            <a:endParaRPr lang="et-EE" dirty="0" smtClean="0"/>
+          </a:p>
+          <a:p>
+            <a:pPr marL="0" indent="0" algn="ctr">
+              <a:buNone/>
+            </a:pPr>
             <a:r>
               <a:rPr lang="et-EE" dirty="0" smtClean="0"/>
-              <a:t>Snapchat pay</a:t>
-            </a:r>
-          </a:p>
-          <a:p>
+              <a:t>Freelancers </a:t>
+            </a:r>
+            <a:r>
+              <a:rPr lang="et-EE" dirty="0"/>
+              <a:t>&gt;1B $</a:t>
+            </a:r>
+          </a:p>
+          <a:p>
+            <a:pPr marL="0" indent="0" algn="ctr">
+              <a:buNone/>
+            </a:pPr>
+            <a:endParaRPr lang="et-EE" dirty="0" smtClean="0"/>
+          </a:p>
+          <a:p>
+            <a:pPr marL="0" indent="0" algn="ctr">
+              <a:buNone/>
+            </a:pPr>
             <a:r>
               <a:rPr lang="et-EE" dirty="0" smtClean="0"/>
-              <a:t>FB pay</a:t>
-            </a:r>
+              <a:t>Classified </a:t>
+            </a:r>
+            <a:r>
+              <a:rPr lang="et-EE" dirty="0"/>
+              <a:t>ads &gt;10B $</a:t>
+            </a:r>
+          </a:p>
+          <a:p>
+            <a:pPr marL="0" indent="0" algn="ctr">
+              <a:buNone/>
+            </a:pPr>
             <a:endParaRPr lang="et-EE" dirty="0"/>
           </a:p>
         </p:txBody>
@@ -5148,13 +6827,20 @@
     </p:spTree>
     <p:extLst>
       <p:ext uri="{BB962C8B-B14F-4D97-AF65-F5344CB8AC3E}">
-        <p14:creationId xmlns:p14="http://schemas.microsoft.com/office/powerpoint/2010/main" val="37305214"/>
+        <p14:creationId xmlns:p14="http://schemas.microsoft.com/office/powerpoint/2010/main" val="4089070661"/>
       </p:ext>
     </p:extLst>
   </p:cSld>
   <p:clrMapOvr>
     <a:masterClrMapping/>
   </p:clrMapOvr>
+  <p:timing>
+    <p:tnLst>
+      <p:par>
+        <p:cTn id="1" dur="indefinite" restart="never" nodeType="tmRoot"/>
+      </p:par>
+    </p:tnLst>
+  </p:timing>
 </p:sld>
 </file>
 
@@ -5439,4 +7125,289 @@
   <a:objectDefaults/>
   <a:extraClrSchemeLst/>
 </a:theme>
+</file>
+
+<file path=ppt/theme/theme2.xml><?xml version="1.0" encoding="utf-8"?>
+<a:theme xmlns:a="http://schemas.openxmlformats.org/drawingml/2006/main" name="Office Theme">
+  <a:themeElements>
+    <a:clrScheme name="Office">
+      <a:dk1>
+        <a:sysClr val="windowText" lastClr="000000"/>
+      </a:dk1>
+      <a:lt1>
+        <a:sysClr val="window" lastClr="FFFFFF"/>
+      </a:lt1>
+      <a:dk2>
+        <a:srgbClr val="1F497D"/>
+      </a:dk2>
+      <a:lt2>
+        <a:srgbClr val="EEECE1"/>
+      </a:lt2>
+      <a:accent1>
+        <a:srgbClr val="4F81BD"/>
+      </a:accent1>
+      <a:accent2>
+        <a:srgbClr val="C0504D"/>
+      </a:accent2>
+      <a:accent3>
+        <a:srgbClr val="9BBB59"/>
+      </a:accent3>
+      <a:accent4>
+        <a:srgbClr val="8064A2"/>
+      </a:accent4>
+      <a:accent5>
+        <a:srgbClr val="4BACC6"/>
+      </a:accent5>
+      <a:accent6>
+        <a:srgbClr val="F79646"/>
+      </a:accent6>
+      <a:hlink>
+        <a:srgbClr val="0000FF"/>
+      </a:hlink>
+      <a:folHlink>
+        <a:srgbClr val="800080"/>
+      </a:folHlink>
+    </a:clrScheme>
+    <a:fontScheme name="Office">
+      <a:majorFont>
+        <a:latin typeface="Calibri"/>
+        <a:ea typeface=""/>
+        <a:cs typeface=""/>
+        <a:font script="Jpan" typeface="ＭＳ Ｐゴシック"/>
+        <a:font script="Hang" typeface="맑은 고딕"/>
+        <a:font script="Hans" typeface="宋体"/>
+        <a:font script="Hant" typeface="新細明體"/>
+        <a:font script="Arab" typeface="Times New Roman"/>
+        <a:font script="Hebr" typeface="Times New Roman"/>
+        <a:font script="Thai" typeface="Angsana New"/>
+        <a:font script="Ethi" typeface="Nyala"/>
+        <a:font script="Beng" typeface="Vrinda"/>
+        <a:font script="Gujr" typeface="Shruti"/>
+        <a:font script="Khmr" typeface="MoolBoran"/>
+        <a:font script="Knda" typeface="Tunga"/>
+        <a:font script="Guru" typeface="Raavi"/>
+        <a:font script="Cans" typeface="Euphemia"/>
+        <a:font script="Cher" typeface="Plantagenet Cherokee"/>
+        <a:font script="Yiii" typeface="Microsoft Yi Baiti"/>
+        <a:font script="Tibt" typeface="Microsoft Himalaya"/>
+        <a:font script="Thaa" typeface="MV Boli"/>
+        <a:font script="Deva" typeface="Mangal"/>
+        <a:font script="Telu" typeface="Gautami"/>
+        <a:font script="Taml" typeface="Latha"/>
+        <a:font script="Syrc" typeface="Estrangelo Edessa"/>
+        <a:font script="Orya" typeface="Kalinga"/>
+        <a:font script="Mlym" typeface="Kartika"/>
+        <a:font script="Laoo" typeface="DokChampa"/>
+        <a:font script="Sinh" typeface="Iskoola Pota"/>
+        <a:font script="Mong" typeface="Mongolian Baiti"/>
+        <a:font script="Viet" typeface="Times New Roman"/>
+        <a:font script="Uigh" typeface="Microsoft Uighur"/>
+        <a:font script="Geor" typeface="Sylfaen"/>
+      </a:majorFont>
+      <a:minorFont>
+        <a:latin typeface="Calibri"/>
+        <a:ea typeface=""/>
+        <a:cs typeface=""/>
+        <a:font script="Jpan" typeface="ＭＳ Ｐゴシック"/>
+        <a:font script="Hang" typeface="맑은 고딕"/>
+        <a:font script="Hans" typeface="宋体"/>
+        <a:font script="Hant" typeface="新細明體"/>
+        <a:font script="Arab" typeface="Arial"/>
+        <a:font script="Hebr" typeface="Arial"/>
+        <a:font script="Thai" typeface="Cordia New"/>
+        <a:font script="Ethi" typeface="Nyala"/>
+        <a:font script="Beng" typeface="Vrinda"/>
+        <a:font script="Gujr" typeface="Shruti"/>
+        <a:font script="Khmr" typeface="DaunPenh"/>
+        <a:font script="Knda" typeface="Tunga"/>
+        <a:font script="Guru" typeface="Raavi"/>
+        <a:font script="Cans" typeface="Euphemia"/>
+        <a:font script="Cher" typeface="Plantagenet Cherokee"/>
+        <a:font script="Yiii" typeface="Microsoft Yi Baiti"/>
+        <a:font script="Tibt" typeface="Microsoft Himalaya"/>
+        <a:font script="Thaa" typeface="MV Boli"/>
+        <a:font script="Deva" typeface="Mangal"/>
+        <a:font script="Telu" typeface="Gautami"/>
+        <a:font script="Taml" typeface="Latha"/>
+        <a:font script="Syrc" typeface="Estrangelo Edessa"/>
+        <a:font script="Orya" typeface="Kalinga"/>
+        <a:font script="Mlym" typeface="Kartika"/>
+        <a:font script="Laoo" typeface="DokChampa"/>
+        <a:font script="Sinh" typeface="Iskoola Pota"/>
+        <a:font script="Mong" typeface="Mongolian Baiti"/>
+        <a:font script="Viet" typeface="Arial"/>
+        <a:font script="Uigh" typeface="Microsoft Uighur"/>
+        <a:font script="Geor" typeface="Sylfaen"/>
+      </a:minorFont>
+    </a:fontScheme>
+    <a:fmtScheme name="Office">
+      <a:fillStyleLst>
+        <a:solidFill>
+          <a:schemeClr val="phClr"/>
+        </a:solidFill>
+        <a:gradFill rotWithShape="1">
+          <a:gsLst>
+            <a:gs pos="0">
+              <a:schemeClr val="phClr">
+                <a:tint val="50000"/>
+                <a:satMod val="300000"/>
+              </a:schemeClr>
+            </a:gs>
+            <a:gs pos="35000">
+              <a:schemeClr val="phClr">
+                <a:tint val="37000"/>
+                <a:satMod val="300000"/>
+              </a:schemeClr>
+            </a:gs>
+            <a:gs pos="100000">
+              <a:schemeClr val="phClr">
+                <a:tint val="15000"/>
+                <a:satMod val="350000"/>
+              </a:schemeClr>
+            </a:gs>
+          </a:gsLst>
+          <a:lin ang="16200000" scaled="1"/>
+        </a:gradFill>
+        <a:gradFill rotWithShape="1">
+          <a:gsLst>
+            <a:gs pos="0">
+              <a:schemeClr val="phClr">
+                <a:shade val="51000"/>
+                <a:satMod val="130000"/>
+              </a:schemeClr>
+            </a:gs>
+            <a:gs pos="80000">
+              <a:schemeClr val="phClr">
+                <a:shade val="93000"/>
+                <a:satMod val="130000"/>
+              </a:schemeClr>
+            </a:gs>
+            <a:gs pos="100000">
+              <a:schemeClr val="phClr">
+                <a:shade val="94000"/>
+                <a:satMod val="135000"/>
+              </a:schemeClr>
+            </a:gs>
+          </a:gsLst>
+          <a:lin ang="16200000" scaled="0"/>
+        </a:gradFill>
+      </a:fillStyleLst>
+      <a:lnStyleLst>
+        <a:ln w="9525" cap="flat" cmpd="sng" algn="ctr">
+          <a:solidFill>
+            <a:schemeClr val="phClr">
+              <a:shade val="95000"/>
+              <a:satMod val="105000"/>
+            </a:schemeClr>
+          </a:solidFill>
+          <a:prstDash val="solid"/>
+        </a:ln>
+        <a:ln w="25400" cap="flat" cmpd="sng" algn="ctr">
+          <a:solidFill>
+            <a:schemeClr val="phClr"/>
+          </a:solidFill>
+          <a:prstDash val="solid"/>
+        </a:ln>
+        <a:ln w="38100" cap="flat" cmpd="sng" algn="ctr">
+          <a:solidFill>
+            <a:schemeClr val="phClr"/>
+          </a:solidFill>
+          <a:prstDash val="solid"/>
+        </a:ln>
+      </a:lnStyleLst>
+      <a:effectStyleLst>
+        <a:effectStyle>
+          <a:effectLst>
+            <a:outerShdw blurRad="40000" dist="20000" dir="5400000" rotWithShape="0">
+              <a:srgbClr val="000000">
+                <a:alpha val="38000"/>
+              </a:srgbClr>
+            </a:outerShdw>
+          </a:effectLst>
+        </a:effectStyle>
+        <a:effectStyle>
+          <a:effectLst>
+            <a:outerShdw blurRad="40000" dist="23000" dir="5400000" rotWithShape="0">
+              <a:srgbClr val="000000">
+                <a:alpha val="35000"/>
+              </a:srgbClr>
+            </a:outerShdw>
+          </a:effectLst>
+        </a:effectStyle>
+        <a:effectStyle>
+          <a:effectLst>
+            <a:outerShdw blurRad="40000" dist="23000" dir="5400000" rotWithShape="0">
+              <a:srgbClr val="000000">
+                <a:alpha val="35000"/>
+              </a:srgbClr>
+            </a:outerShdw>
+          </a:effectLst>
+          <a:scene3d>
+            <a:camera prst="orthographicFront">
+              <a:rot lat="0" lon="0" rev="0"/>
+            </a:camera>
+            <a:lightRig rig="threePt" dir="t">
+              <a:rot lat="0" lon="0" rev="1200000"/>
+            </a:lightRig>
+          </a:scene3d>
+          <a:sp3d>
+            <a:bevelT w="63500" h="25400"/>
+          </a:sp3d>
+        </a:effectStyle>
+      </a:effectStyleLst>
+      <a:bgFillStyleLst>
+        <a:solidFill>
+          <a:schemeClr val="phClr"/>
+        </a:solidFill>
+        <a:gradFill rotWithShape="1">
+          <a:gsLst>
+            <a:gs pos="0">
+              <a:schemeClr val="phClr">
+                <a:tint val="40000"/>
+                <a:satMod val="350000"/>
+              </a:schemeClr>
+            </a:gs>
+            <a:gs pos="40000">
+              <a:schemeClr val="phClr">
+                <a:tint val="45000"/>
+                <a:shade val="99000"/>
+                <a:satMod val="350000"/>
+              </a:schemeClr>
+            </a:gs>
+            <a:gs pos="100000">
+              <a:schemeClr val="phClr">
+                <a:shade val="20000"/>
+                <a:satMod val="255000"/>
+              </a:schemeClr>
+            </a:gs>
+          </a:gsLst>
+          <a:path path="circle">
+            <a:fillToRect l="50000" t="-80000" r="50000" b="180000"/>
+          </a:path>
+        </a:gradFill>
+        <a:gradFill rotWithShape="1">
+          <a:gsLst>
+            <a:gs pos="0">
+              <a:schemeClr val="phClr">
+                <a:tint val="80000"/>
+                <a:satMod val="300000"/>
+              </a:schemeClr>
+            </a:gs>
+            <a:gs pos="100000">
+              <a:schemeClr val="phClr">
+                <a:shade val="30000"/>
+                <a:satMod val="200000"/>
+              </a:schemeClr>
+            </a:gs>
+          </a:gsLst>
+          <a:path path="circle">
+            <a:fillToRect l="50000" t="50000" r="50000" b="50000"/>
+          </a:path>
+        </a:gradFill>
+      </a:bgFillStyleLst>
+    </a:fmtScheme>
+  </a:themeElements>
+  <a:objectDefaults/>
+  <a:extraClrSchemeLst/>
+</a:theme>
 </file>